--- a/DATABASE PROJECT.pptx
+++ b/DATABASE PROJECT.pptx
@@ -6,37 +6,41 @@
     <p:sldMasterId id="2147483852" r:id="rId2"/>
   </p:sldMasterIdLst>
   <p:notesMasterIdLst>
-    <p:notesMasterId r:id="rId31"/>
+    <p:notesMasterId r:id="rId35"/>
   </p:notesMasterIdLst>
   <p:sldIdLst>
     <p:sldId id="257" r:id="rId3"/>
-    <p:sldId id="279" r:id="rId4"/>
-    <p:sldId id="280" r:id="rId5"/>
-    <p:sldId id="281" r:id="rId6"/>
-    <p:sldId id="282" r:id="rId7"/>
-    <p:sldId id="283" r:id="rId8"/>
-    <p:sldId id="256" r:id="rId9"/>
-    <p:sldId id="258" r:id="rId10"/>
-    <p:sldId id="259" r:id="rId11"/>
-    <p:sldId id="260" r:id="rId12"/>
-    <p:sldId id="261" r:id="rId13"/>
-    <p:sldId id="266" r:id="rId14"/>
-    <p:sldId id="262" r:id="rId15"/>
-    <p:sldId id="267" r:id="rId16"/>
-    <p:sldId id="268" r:id="rId17"/>
-    <p:sldId id="269" r:id="rId18"/>
-    <p:sldId id="265" r:id="rId19"/>
-    <p:sldId id="263" r:id="rId20"/>
-    <p:sldId id="264" r:id="rId21"/>
-    <p:sldId id="271" r:id="rId22"/>
-    <p:sldId id="270" r:id="rId23"/>
-    <p:sldId id="272" r:id="rId24"/>
-    <p:sldId id="273" r:id="rId25"/>
-    <p:sldId id="277" r:id="rId26"/>
-    <p:sldId id="274" r:id="rId27"/>
-    <p:sldId id="275" r:id="rId28"/>
-    <p:sldId id="276" r:id="rId29"/>
-    <p:sldId id="278" r:id="rId30"/>
+    <p:sldId id="287" r:id="rId4"/>
+    <p:sldId id="284" r:id="rId5"/>
+    <p:sldId id="279" r:id="rId6"/>
+    <p:sldId id="280" r:id="rId7"/>
+    <p:sldId id="281" r:id="rId8"/>
+    <p:sldId id="282" r:id="rId9"/>
+    <p:sldId id="283" r:id="rId10"/>
+    <p:sldId id="256" r:id="rId11"/>
+    <p:sldId id="258" r:id="rId12"/>
+    <p:sldId id="259" r:id="rId13"/>
+    <p:sldId id="260" r:id="rId14"/>
+    <p:sldId id="261" r:id="rId15"/>
+    <p:sldId id="266" r:id="rId16"/>
+    <p:sldId id="262" r:id="rId17"/>
+    <p:sldId id="267" r:id="rId18"/>
+    <p:sldId id="268" r:id="rId19"/>
+    <p:sldId id="269" r:id="rId20"/>
+    <p:sldId id="265" r:id="rId21"/>
+    <p:sldId id="263" r:id="rId22"/>
+    <p:sldId id="264" r:id="rId23"/>
+    <p:sldId id="271" r:id="rId24"/>
+    <p:sldId id="270" r:id="rId25"/>
+    <p:sldId id="272" r:id="rId26"/>
+    <p:sldId id="273" r:id="rId27"/>
+    <p:sldId id="277" r:id="rId28"/>
+    <p:sldId id="274" r:id="rId29"/>
+    <p:sldId id="275" r:id="rId30"/>
+    <p:sldId id="276" r:id="rId31"/>
+    <p:sldId id="278" r:id="rId32"/>
+    <p:sldId id="285" r:id="rId33"/>
+    <p:sldId id="286" r:id="rId34"/>
   </p:sldIdLst>
   <p:sldSz cx="12192000" cy="6858000"/>
   <p:notesSz cx="6858000" cy="9144000"/>
@@ -225,7 +229,7 @@
           <a:p>
             <a:fld id="{600AFBA6-6F62-4C31-8A02-FD2AB5036286}" type="datetimeFigureOut">
               <a:rPr lang="en-CA" smtClean="0"/>
-              <a:t>2018-07-27</a:t>
+              <a:t>2018-07-28</a:t>
             </a:fld>
             <a:endParaRPr lang="en-CA"/>
           </a:p>
@@ -621,7 +625,10 @@
           <a:bodyPr/>
           <a:lstStyle/>
           <a:p>
-            <a:endParaRPr lang="en-CA"/>
+            <a:r>
+              <a:rPr lang="en-CA" dirty="0"/>
+              <a:t>https://www.guru99.com/group-by.html</a:t>
+            </a:r>
           </a:p>
         </p:txBody>
       </p:sp>
@@ -642,7 +649,7 @@
           <a:p>
             <a:fld id="{A67A0D77-76B8-42A8-87F4-B14268FCA152}" type="slidenum">
               <a:rPr lang="en-CA" smtClean="0"/>
-              <a:t>15</a:t>
+              <a:t>16</a:t>
             </a:fld>
             <a:endParaRPr lang="en-CA"/>
           </a:p>
@@ -651,7 +658,7 @@
     </p:spTree>
     <p:extLst>
       <p:ext uri="{BB962C8B-B14F-4D97-AF65-F5344CB8AC3E}">
-        <p14:creationId xmlns:p14="http://schemas.microsoft.com/office/powerpoint/2010/main" val="2746736440"/>
+        <p14:creationId xmlns:p14="http://schemas.microsoft.com/office/powerpoint/2010/main" val="3661873299"/>
       </p:ext>
     </p:extLst>
   </p:cSld>
@@ -726,7 +733,7 @@
           <a:p>
             <a:fld id="{A67A0D77-76B8-42A8-87F4-B14268FCA152}" type="slidenum">
               <a:rPr lang="en-CA" smtClean="0"/>
-              <a:t>16</a:t>
+              <a:t>17</a:t>
             </a:fld>
             <a:endParaRPr lang="en-CA"/>
           </a:p>
@@ -735,7 +742,7 @@
     </p:spTree>
     <p:extLst>
       <p:ext uri="{BB962C8B-B14F-4D97-AF65-F5344CB8AC3E}">
-        <p14:creationId xmlns:p14="http://schemas.microsoft.com/office/powerpoint/2010/main" val="1294695655"/>
+        <p14:creationId xmlns:p14="http://schemas.microsoft.com/office/powerpoint/2010/main" val="2746736440"/>
       </p:ext>
     </p:extLst>
   </p:cSld>
@@ -810,7 +817,7 @@
           <a:p>
             <a:fld id="{A67A0D77-76B8-42A8-87F4-B14268FCA152}" type="slidenum">
               <a:rPr lang="en-CA" smtClean="0"/>
-              <a:t>17</a:t>
+              <a:t>18</a:t>
             </a:fld>
             <a:endParaRPr lang="en-CA"/>
           </a:p>
@@ -819,7 +826,7 @@
     </p:spTree>
     <p:extLst>
       <p:ext uri="{BB962C8B-B14F-4D97-AF65-F5344CB8AC3E}">
-        <p14:creationId xmlns:p14="http://schemas.microsoft.com/office/powerpoint/2010/main" val="4008544195"/>
+        <p14:creationId xmlns:p14="http://schemas.microsoft.com/office/powerpoint/2010/main" val="1294695655"/>
       </p:ext>
     </p:extLst>
   </p:cSld>
@@ -894,7 +901,7 @@
           <a:p>
             <a:fld id="{A67A0D77-76B8-42A8-87F4-B14268FCA152}" type="slidenum">
               <a:rPr lang="en-CA" smtClean="0"/>
-              <a:t>18</a:t>
+              <a:t>19</a:t>
             </a:fld>
             <a:endParaRPr lang="en-CA"/>
           </a:p>
@@ -903,7 +910,7 @@
     </p:spTree>
     <p:extLst>
       <p:ext uri="{BB962C8B-B14F-4D97-AF65-F5344CB8AC3E}">
-        <p14:creationId xmlns:p14="http://schemas.microsoft.com/office/powerpoint/2010/main" val="1889426412"/>
+        <p14:creationId xmlns:p14="http://schemas.microsoft.com/office/powerpoint/2010/main" val="4008544195"/>
       </p:ext>
     </p:extLst>
   </p:cSld>
@@ -978,7 +985,7 @@
           <a:p>
             <a:fld id="{A67A0D77-76B8-42A8-87F4-B14268FCA152}" type="slidenum">
               <a:rPr lang="en-CA" smtClean="0"/>
-              <a:t>19</a:t>
+              <a:t>20</a:t>
             </a:fld>
             <a:endParaRPr lang="en-CA"/>
           </a:p>
@@ -987,7 +994,7 @@
     </p:spTree>
     <p:extLst>
       <p:ext uri="{BB962C8B-B14F-4D97-AF65-F5344CB8AC3E}">
-        <p14:creationId xmlns:p14="http://schemas.microsoft.com/office/powerpoint/2010/main" val="1133701165"/>
+        <p14:creationId xmlns:p14="http://schemas.microsoft.com/office/powerpoint/2010/main" val="1889426412"/>
       </p:ext>
     </p:extLst>
   </p:cSld>
@@ -1041,6 +1048,90 @@
           <a:bodyPr/>
           <a:lstStyle/>
           <a:p>
+            <a:endParaRPr lang="en-CA"/>
+          </a:p>
+        </p:txBody>
+      </p:sp>
+      <p:sp>
+        <p:nvSpPr>
+          <p:cNvPr id="4" name="Slide Number Placeholder 3"/>
+          <p:cNvSpPr>
+            <a:spLocks noGrp="1"/>
+          </p:cNvSpPr>
+          <p:nvPr>
+            <p:ph type="sldNum" sz="quarter" idx="10"/>
+          </p:nvPr>
+        </p:nvSpPr>
+        <p:spPr/>
+        <p:txBody>
+          <a:bodyPr/>
+          <a:lstStyle/>
+          <a:p>
+            <a:fld id="{A67A0D77-76B8-42A8-87F4-B14268FCA152}" type="slidenum">
+              <a:rPr lang="en-CA" smtClean="0"/>
+              <a:t>21</a:t>
+            </a:fld>
+            <a:endParaRPr lang="en-CA"/>
+          </a:p>
+        </p:txBody>
+      </p:sp>
+    </p:spTree>
+    <p:extLst>
+      <p:ext uri="{BB962C8B-B14F-4D97-AF65-F5344CB8AC3E}">
+        <p14:creationId xmlns:p14="http://schemas.microsoft.com/office/powerpoint/2010/main" val="1133701165"/>
+      </p:ext>
+    </p:extLst>
+  </p:cSld>
+  <p:clrMapOvr>
+    <a:masterClrMapping/>
+  </p:clrMapOvr>
+</p:notes>
+</file>
+
+<file path=ppt/notesSlides/notesSlide16.xml><?xml version="1.0" encoding="utf-8"?>
+<p:notes xmlns:a="http://schemas.openxmlformats.org/drawingml/2006/main" xmlns:r="http://schemas.openxmlformats.org/officeDocument/2006/relationships" xmlns:p="http://schemas.openxmlformats.org/presentationml/2006/main">
+  <p:cSld>
+    <p:spTree>
+      <p:nvGrpSpPr>
+        <p:cNvPr id="1" name=""/>
+        <p:cNvGrpSpPr/>
+        <p:nvPr/>
+      </p:nvGrpSpPr>
+      <p:grpSpPr>
+        <a:xfrm>
+          <a:off x="0" y="0"/>
+          <a:ext cx="0" cy="0"/>
+          <a:chOff x="0" y="0"/>
+          <a:chExt cx="0" cy="0"/>
+        </a:xfrm>
+      </p:grpSpPr>
+      <p:sp>
+        <p:nvSpPr>
+          <p:cNvPr id="2" name="Slide Image Placeholder 1"/>
+          <p:cNvSpPr>
+            <a:spLocks noGrp="1" noRot="1" noChangeAspect="1"/>
+          </p:cNvSpPr>
+          <p:nvPr>
+            <p:ph type="sldImg"/>
+          </p:nvPr>
+        </p:nvSpPr>
+        <p:spPr/>
+      </p:sp>
+      <p:sp>
+        <p:nvSpPr>
+          <p:cNvPr id="3" name="Notes Placeholder 2"/>
+          <p:cNvSpPr>
+            <a:spLocks noGrp="1"/>
+          </p:cNvSpPr>
+          <p:nvPr>
+            <p:ph type="body" idx="1"/>
+          </p:nvPr>
+        </p:nvSpPr>
+        <p:spPr/>
+        <p:txBody>
+          <a:bodyPr/>
+          <a:lstStyle/>
+          <a:p>
             <a:r>
               <a:rPr lang="en-CA" dirty="0" err="1"/>
               <a:t>Query_table_aaa</a:t>
@@ -1066,7 +1157,7 @@
           <a:p>
             <a:fld id="{A67A0D77-76B8-42A8-87F4-B14268FCA152}" type="slidenum">
               <a:rPr lang="en-CA" smtClean="0"/>
-              <a:t>27</a:t>
+              <a:t>29</a:t>
             </a:fld>
             <a:endParaRPr lang="en-CA"/>
           </a:p>
@@ -1076,6 +1167,90 @@
     <p:extLst>
       <p:ext uri="{BB962C8B-B14F-4D97-AF65-F5344CB8AC3E}">
         <p14:creationId xmlns:p14="http://schemas.microsoft.com/office/powerpoint/2010/main" val="2798593645"/>
+      </p:ext>
+    </p:extLst>
+  </p:cSld>
+  <p:clrMapOvr>
+    <a:masterClrMapping/>
+  </p:clrMapOvr>
+</p:notes>
+</file>
+
+<file path=ppt/notesSlides/notesSlide17.xml><?xml version="1.0" encoding="utf-8"?>
+<p:notes xmlns:a="http://schemas.openxmlformats.org/drawingml/2006/main" xmlns:r="http://schemas.openxmlformats.org/officeDocument/2006/relationships" xmlns:p="http://schemas.openxmlformats.org/presentationml/2006/main">
+  <p:cSld>
+    <p:spTree>
+      <p:nvGrpSpPr>
+        <p:cNvPr id="1" name=""/>
+        <p:cNvGrpSpPr/>
+        <p:nvPr/>
+      </p:nvGrpSpPr>
+      <p:grpSpPr>
+        <a:xfrm>
+          <a:off x="0" y="0"/>
+          <a:ext cx="0" cy="0"/>
+          <a:chOff x="0" y="0"/>
+          <a:chExt cx="0" cy="0"/>
+        </a:xfrm>
+      </p:grpSpPr>
+      <p:sp>
+        <p:nvSpPr>
+          <p:cNvPr id="2" name="Slide Image Placeholder 1"/>
+          <p:cNvSpPr>
+            <a:spLocks noGrp="1" noRot="1" noChangeAspect="1"/>
+          </p:cNvSpPr>
+          <p:nvPr>
+            <p:ph type="sldImg"/>
+          </p:nvPr>
+        </p:nvSpPr>
+        <p:spPr/>
+      </p:sp>
+      <p:sp>
+        <p:nvSpPr>
+          <p:cNvPr id="3" name="Notes Placeholder 2"/>
+          <p:cNvSpPr>
+            <a:spLocks noGrp="1"/>
+          </p:cNvSpPr>
+          <p:nvPr>
+            <p:ph type="body" idx="1"/>
+          </p:nvPr>
+        </p:nvSpPr>
+        <p:spPr/>
+        <p:txBody>
+          <a:bodyPr/>
+          <a:lstStyle/>
+          <a:p>
+            <a:endParaRPr lang="en-CA" dirty="0"/>
+          </a:p>
+        </p:txBody>
+      </p:sp>
+      <p:sp>
+        <p:nvSpPr>
+          <p:cNvPr id="4" name="Slide Number Placeholder 3"/>
+          <p:cNvSpPr>
+            <a:spLocks noGrp="1"/>
+          </p:cNvSpPr>
+          <p:nvPr>
+            <p:ph type="sldNum" sz="quarter" idx="10"/>
+          </p:nvPr>
+        </p:nvSpPr>
+        <p:spPr/>
+        <p:txBody>
+          <a:bodyPr/>
+          <a:lstStyle/>
+          <a:p>
+            <a:fld id="{A67A0D77-76B8-42A8-87F4-B14268FCA152}" type="slidenum">
+              <a:rPr lang="en-CA" smtClean="0"/>
+              <a:t>31</a:t>
+            </a:fld>
+            <a:endParaRPr lang="en-CA"/>
+          </a:p>
+        </p:txBody>
+      </p:sp>
+    </p:spTree>
+    <p:extLst>
+      <p:ext uri="{BB962C8B-B14F-4D97-AF65-F5344CB8AC3E}">
+        <p14:creationId xmlns:p14="http://schemas.microsoft.com/office/powerpoint/2010/main" val="2895987579"/>
       </p:ext>
     </p:extLst>
   </p:cSld>
@@ -1129,7 +1304,10 @@
           <a:bodyPr/>
           <a:lstStyle/>
           <a:p>
-            <a:endParaRPr lang="en-CA"/>
+            <a:r>
+              <a:rPr lang="en-CA" dirty="0"/>
+              <a:t>https://www.quora.com/What-is-the-difference-between-inner-join-and-intersect</a:t>
+            </a:r>
           </a:p>
         </p:txBody>
       </p:sp>
@@ -1150,7 +1328,7 @@
           <a:p>
             <a:fld id="{A67A0D77-76B8-42A8-87F4-B14268FCA152}" type="slidenum">
               <a:rPr lang="en-CA" smtClean="0"/>
-              <a:t>7</a:t>
+              <a:t>3</a:t>
             </a:fld>
             <a:endParaRPr lang="en-CA"/>
           </a:p>
@@ -1159,7 +1337,7 @@
     </p:spTree>
     <p:extLst>
       <p:ext uri="{BB962C8B-B14F-4D97-AF65-F5344CB8AC3E}">
-        <p14:creationId xmlns:p14="http://schemas.microsoft.com/office/powerpoint/2010/main" val="2553582382"/>
+        <p14:creationId xmlns:p14="http://schemas.microsoft.com/office/powerpoint/2010/main" val="2226769472"/>
       </p:ext>
     </p:extLst>
   </p:cSld>
@@ -1234,7 +1412,7 @@
           <a:p>
             <a:fld id="{A67A0D77-76B8-42A8-87F4-B14268FCA152}" type="slidenum">
               <a:rPr lang="en-CA" smtClean="0"/>
-              <a:t>8</a:t>
+              <a:t>9</a:t>
             </a:fld>
             <a:endParaRPr lang="en-CA"/>
           </a:p>
@@ -1243,7 +1421,7 @@
     </p:spTree>
     <p:extLst>
       <p:ext uri="{BB962C8B-B14F-4D97-AF65-F5344CB8AC3E}">
-        <p14:creationId xmlns:p14="http://schemas.microsoft.com/office/powerpoint/2010/main" val="1654530341"/>
+        <p14:creationId xmlns:p14="http://schemas.microsoft.com/office/powerpoint/2010/main" val="2553582382"/>
       </p:ext>
     </p:extLst>
   </p:cSld>
@@ -1318,7 +1496,7 @@
           <a:p>
             <a:fld id="{A67A0D77-76B8-42A8-87F4-B14268FCA152}" type="slidenum">
               <a:rPr lang="en-CA" smtClean="0"/>
-              <a:t>9</a:t>
+              <a:t>10</a:t>
             </a:fld>
             <a:endParaRPr lang="en-CA"/>
           </a:p>
@@ -1327,7 +1505,7 @@
     </p:spTree>
     <p:extLst>
       <p:ext uri="{BB962C8B-B14F-4D97-AF65-F5344CB8AC3E}">
-        <p14:creationId xmlns:p14="http://schemas.microsoft.com/office/powerpoint/2010/main" val="3854407662"/>
+        <p14:creationId xmlns:p14="http://schemas.microsoft.com/office/powerpoint/2010/main" val="1654530341"/>
       </p:ext>
     </p:extLst>
   </p:cSld>
@@ -1402,7 +1580,7 @@
           <a:p>
             <a:fld id="{A67A0D77-76B8-42A8-87F4-B14268FCA152}" type="slidenum">
               <a:rPr lang="en-CA" smtClean="0"/>
-              <a:t>10</a:t>
+              <a:t>11</a:t>
             </a:fld>
             <a:endParaRPr lang="en-CA"/>
           </a:p>
@@ -1411,7 +1589,7 @@
     </p:spTree>
     <p:extLst>
       <p:ext uri="{BB962C8B-B14F-4D97-AF65-F5344CB8AC3E}">
-        <p14:creationId xmlns:p14="http://schemas.microsoft.com/office/powerpoint/2010/main" val="648612824"/>
+        <p14:creationId xmlns:p14="http://schemas.microsoft.com/office/powerpoint/2010/main" val="3854407662"/>
       </p:ext>
     </p:extLst>
   </p:cSld>
@@ -1486,7 +1664,7 @@
           <a:p>
             <a:fld id="{A67A0D77-76B8-42A8-87F4-B14268FCA152}" type="slidenum">
               <a:rPr lang="en-CA" smtClean="0"/>
-              <a:t>11</a:t>
+              <a:t>12</a:t>
             </a:fld>
             <a:endParaRPr lang="en-CA"/>
           </a:p>
@@ -1495,7 +1673,7 @@
     </p:spTree>
     <p:extLst>
       <p:ext uri="{BB962C8B-B14F-4D97-AF65-F5344CB8AC3E}">
-        <p14:creationId xmlns:p14="http://schemas.microsoft.com/office/powerpoint/2010/main" val="3417430826"/>
+        <p14:creationId xmlns:p14="http://schemas.microsoft.com/office/powerpoint/2010/main" val="648612824"/>
       </p:ext>
     </p:extLst>
   </p:cSld>
@@ -1570,7 +1748,7 @@
           <a:p>
             <a:fld id="{A67A0D77-76B8-42A8-87F4-B14268FCA152}" type="slidenum">
               <a:rPr lang="en-CA" smtClean="0"/>
-              <a:t>12</a:t>
+              <a:t>13</a:t>
             </a:fld>
             <a:endParaRPr lang="en-CA"/>
           </a:p>
@@ -1579,7 +1757,7 @@
     </p:spTree>
     <p:extLst>
       <p:ext uri="{BB962C8B-B14F-4D97-AF65-F5344CB8AC3E}">
-        <p14:creationId xmlns:p14="http://schemas.microsoft.com/office/powerpoint/2010/main" val="753545853"/>
+        <p14:creationId xmlns:p14="http://schemas.microsoft.com/office/powerpoint/2010/main" val="3417430826"/>
       </p:ext>
     </p:extLst>
   </p:cSld>
@@ -1654,7 +1832,7 @@
           <a:p>
             <a:fld id="{A67A0D77-76B8-42A8-87F4-B14268FCA152}" type="slidenum">
               <a:rPr lang="en-CA" smtClean="0"/>
-              <a:t>13</a:t>
+              <a:t>14</a:t>
             </a:fld>
             <a:endParaRPr lang="en-CA"/>
           </a:p>
@@ -1663,7 +1841,7 @@
     </p:spTree>
     <p:extLst>
       <p:ext uri="{BB962C8B-B14F-4D97-AF65-F5344CB8AC3E}">
-        <p14:creationId xmlns:p14="http://schemas.microsoft.com/office/powerpoint/2010/main" val="1902033569"/>
+        <p14:creationId xmlns:p14="http://schemas.microsoft.com/office/powerpoint/2010/main" val="753545853"/>
       </p:ext>
     </p:extLst>
   </p:cSld>
@@ -1717,10 +1895,7 @@
           <a:bodyPr/>
           <a:lstStyle/>
           <a:p>
-            <a:r>
-              <a:rPr lang="en-CA" dirty="0"/>
-              <a:t>https://www.guru99.com/group-by.html</a:t>
-            </a:r>
+            <a:endParaRPr lang="en-CA"/>
           </a:p>
         </p:txBody>
       </p:sp>
@@ -1741,7 +1916,7 @@
           <a:p>
             <a:fld id="{A67A0D77-76B8-42A8-87F4-B14268FCA152}" type="slidenum">
               <a:rPr lang="en-CA" smtClean="0"/>
-              <a:t>14</a:t>
+              <a:t>15</a:t>
             </a:fld>
             <a:endParaRPr lang="en-CA"/>
           </a:p>
@@ -1750,7 +1925,7 @@
     </p:spTree>
     <p:extLst>
       <p:ext uri="{BB962C8B-B14F-4D97-AF65-F5344CB8AC3E}">
-        <p14:creationId xmlns:p14="http://schemas.microsoft.com/office/powerpoint/2010/main" val="3661873299"/>
+        <p14:creationId xmlns:p14="http://schemas.microsoft.com/office/powerpoint/2010/main" val="1902033569"/>
       </p:ext>
     </p:extLst>
   </p:cSld>
@@ -2163,7 +2338,7 @@
           <a:p>
             <a:fld id="{83284890-85D2-4D7B-8EF5-15A9C1DB8F42}" type="datetimeFigureOut">
               <a:rPr lang="en-US" dirty="0"/>
-              <a:t>7/27/2018</a:t>
+              <a:t>7/28/2018</a:t>
             </a:fld>
             <a:endParaRPr lang="en-US" dirty="0"/>
           </a:p>
@@ -2338,7 +2513,7 @@
           <a:p>
             <a:fld id="{87157CC2-0FC8-4686-B024-99790E0F5162}" type="datetimeFigureOut">
               <a:rPr lang="en-US" dirty="0"/>
-              <a:t>7/27/2018</a:t>
+              <a:t>7/28/2018</a:t>
             </a:fld>
             <a:endParaRPr lang="en-US" dirty="0"/>
           </a:p>
@@ -2513,7 +2688,7 @@
           <a:p>
             <a:fld id="{F6764DA5-CD3D-4590-A511-FCD3BC7A793E}" type="datetimeFigureOut">
               <a:rPr lang="en-US" dirty="0"/>
-              <a:t>7/27/2018</a:t>
+              <a:t>7/28/2018</a:t>
             </a:fld>
             <a:endParaRPr lang="en-US" dirty="0"/>
           </a:p>
@@ -2718,7 +2893,7 @@
           <a:p>
             <a:fld id="{EF17E259-004F-447C-A72D-976813B59BF6}" type="datetimeFigureOut">
               <a:rPr lang="en-CA" smtClean="0"/>
-              <a:t>2018-07-27</a:t>
+              <a:t>2018-07-28</a:t>
             </a:fld>
             <a:endParaRPr lang="en-CA"/>
           </a:p>
@@ -2918,7 +3093,7 @@
           <a:p>
             <a:fld id="{EF17E259-004F-447C-A72D-976813B59BF6}" type="datetimeFigureOut">
               <a:rPr lang="en-CA" smtClean="0"/>
-              <a:t>2018-07-27</a:t>
+              <a:t>2018-07-28</a:t>
             </a:fld>
             <a:endParaRPr lang="en-CA"/>
           </a:p>
@@ -3194,7 +3369,7 @@
           <a:p>
             <a:fld id="{EF17E259-004F-447C-A72D-976813B59BF6}" type="datetimeFigureOut">
               <a:rPr lang="en-CA" smtClean="0"/>
-              <a:t>2018-07-27</a:t>
+              <a:t>2018-07-28</a:t>
             </a:fld>
             <a:endParaRPr lang="en-CA"/>
           </a:p>
@@ -3462,7 +3637,7 @@
           <a:p>
             <a:fld id="{EF17E259-004F-447C-A72D-976813B59BF6}" type="datetimeFigureOut">
               <a:rPr lang="en-CA" smtClean="0"/>
-              <a:t>2018-07-27</a:t>
+              <a:t>2018-07-28</a:t>
             </a:fld>
             <a:endParaRPr lang="en-CA"/>
           </a:p>
@@ -3877,7 +4052,7 @@
           <a:p>
             <a:fld id="{EF17E259-004F-447C-A72D-976813B59BF6}" type="datetimeFigureOut">
               <a:rPr lang="en-CA" smtClean="0"/>
-              <a:t>2018-07-27</a:t>
+              <a:t>2018-07-28</a:t>
             </a:fld>
             <a:endParaRPr lang="en-CA"/>
           </a:p>
@@ -4019,7 +4194,7 @@
           <a:p>
             <a:fld id="{EF17E259-004F-447C-A72D-976813B59BF6}" type="datetimeFigureOut">
               <a:rPr lang="en-CA" smtClean="0"/>
-              <a:t>2018-07-27</a:t>
+              <a:t>2018-07-28</a:t>
             </a:fld>
             <a:endParaRPr lang="en-CA"/>
           </a:p>
@@ -4132,7 +4307,7 @@
           <a:p>
             <a:fld id="{EF17E259-004F-447C-A72D-976813B59BF6}" type="datetimeFigureOut">
               <a:rPr lang="en-CA" smtClean="0"/>
-              <a:t>2018-07-27</a:t>
+              <a:t>2018-07-28</a:t>
             </a:fld>
             <a:endParaRPr lang="en-CA"/>
           </a:p>
@@ -4445,7 +4620,7 @@
           <a:p>
             <a:fld id="{EF17E259-004F-447C-A72D-976813B59BF6}" type="datetimeFigureOut">
               <a:rPr lang="en-CA" smtClean="0"/>
-              <a:t>2018-07-27</a:t>
+              <a:t>2018-07-28</a:t>
             </a:fld>
             <a:endParaRPr lang="en-CA"/>
           </a:p>
@@ -4627,7 +4802,7 @@
           <a:p>
             <a:fld id="{82F5661D-6934-4B32-B92C-470368BF1EC6}" type="datetimeFigureOut">
               <a:rPr lang="en-US" dirty="0"/>
-              <a:t>7/27/2018</a:t>
+              <a:t>7/28/2018</a:t>
             </a:fld>
             <a:endParaRPr lang="en-US" dirty="0"/>
           </a:p>
@@ -4899,7 +5074,7 @@
           <a:p>
             <a:fld id="{EF17E259-004F-447C-A72D-976813B59BF6}" type="datetimeFigureOut">
               <a:rPr lang="en-CA" smtClean="0"/>
-              <a:t>2018-07-27</a:t>
+              <a:t>2018-07-28</a:t>
             </a:fld>
             <a:endParaRPr lang="en-CA"/>
           </a:p>
@@ -5099,7 +5274,7 @@
           <a:p>
             <a:fld id="{EF17E259-004F-447C-A72D-976813B59BF6}" type="datetimeFigureOut">
               <a:rPr lang="en-CA" smtClean="0"/>
-              <a:t>2018-07-27</a:t>
+              <a:t>2018-07-28</a:t>
             </a:fld>
             <a:endParaRPr lang="en-CA"/>
           </a:p>
@@ -5309,7 +5484,7 @@
           <a:p>
             <a:fld id="{EF17E259-004F-447C-A72D-976813B59BF6}" type="datetimeFigureOut">
               <a:rPr lang="en-CA" smtClean="0"/>
-              <a:t>2018-07-27</a:t>
+              <a:t>2018-07-28</a:t>
             </a:fld>
             <a:endParaRPr lang="en-CA"/>
           </a:p>
@@ -5634,7 +5809,7 @@
           <a:p>
             <a:fld id="{C6F822A4-8DA6-4447-9B1F-C5DB58435268}" type="datetimeFigureOut">
               <a:rPr lang="en-US" dirty="0"/>
-              <a:t>7/27/2018</a:t>
+              <a:t>7/28/2018</a:t>
             </a:fld>
             <a:endParaRPr lang="en-US" dirty="0"/>
           </a:p>
@@ -6016,7 +6191,7 @@
           <a:p>
             <a:fld id="{E548D31E-DCDA-41A7-9C67-C4B11B94D21D}" type="datetimeFigureOut">
               <a:rPr lang="en-US" dirty="0"/>
-              <a:t>7/27/2018</a:t>
+              <a:t>7/28/2018</a:t>
             </a:fld>
             <a:endParaRPr lang="en-US" dirty="0"/>
           </a:p>
@@ -6445,7 +6620,7 @@
           <a:p>
             <a:fld id="{9B3762C0-B258-48F1-ADE6-176B4174CCDD}" type="datetimeFigureOut">
               <a:rPr lang="en-US" dirty="0"/>
-              <a:t>7/27/2018</a:t>
+              <a:t>7/28/2018</a:t>
             </a:fld>
             <a:endParaRPr lang="en-US" dirty="0"/>
           </a:p>
@@ -6558,7 +6733,7 @@
           <a:p>
             <a:fld id="{677919A6-33EB-49BD-A62F-1FA56B9F9712}" type="datetimeFigureOut">
               <a:rPr lang="en-US" dirty="0"/>
-              <a:t>7/27/2018</a:t>
+              <a:t>7/28/2018</a:t>
             </a:fld>
             <a:endParaRPr lang="en-US" dirty="0"/>
           </a:p>
@@ -6648,7 +6823,7 @@
           <a:p>
             <a:fld id="{CA4E7D1B-D673-4CF6-8672-009D42ABD2A0}" type="datetimeFigureOut">
               <a:rPr lang="en-US" dirty="0"/>
-              <a:t>7/27/2018</a:t>
+              <a:t>7/28/2018</a:t>
             </a:fld>
             <a:endParaRPr lang="en-US" dirty="0"/>
           </a:p>
@@ -6993,7 +7168,7 @@
           <a:p>
             <a:fld id="{DA16AA21-1863-4931-97CB-99D0A168701B}" type="datetimeFigureOut">
               <a:rPr lang="en-US" dirty="0"/>
-              <a:t>7/27/2018</a:t>
+              <a:t>7/28/2018</a:t>
             </a:fld>
             <a:endParaRPr lang="en-US" dirty="0"/>
           </a:p>
@@ -7413,7 +7588,7 @@
           <a:p>
             <a:fld id="{3772C379-9A7C-4C87-A116-CBE9F58B04C5}" type="datetimeFigureOut">
               <a:rPr lang="en-US" dirty="0"/>
-              <a:t>7/27/2018</a:t>
+              <a:t>7/28/2018</a:t>
             </a:fld>
             <a:endParaRPr lang="en-US" dirty="0"/>
           </a:p>
@@ -7689,7 +7864,7 @@
           <a:p>
             <a:fld id="{8664C608-40B1-4030-A28D-5B74BC98ADCE}" type="datetimeFigureOut">
               <a:rPr lang="en-US" dirty="0"/>
-              <a:t>7/27/2018</a:t>
+              <a:t>7/28/2018</a:t>
             </a:fld>
             <a:endParaRPr lang="en-US" dirty="0"/>
           </a:p>
@@ -8415,7 +8590,7 @@
           <a:p>
             <a:fld id="{EF17E259-004F-447C-A72D-976813B59BF6}" type="datetimeFigureOut">
               <a:rPr lang="en-CA" smtClean="0"/>
-              <a:t>2018-07-27</a:t>
+              <a:t>2018-07-28</a:t>
             </a:fld>
             <a:endParaRPr lang="en-CA"/>
           </a:p>
@@ -9114,6 +9289,311 @@
           <p:cNvPr id="2" name="Title 1">
             <a:extLst>
               <a:ext uri="{FF2B5EF4-FFF2-40B4-BE49-F238E27FC236}">
+                <a16:creationId xmlns:a16="http://schemas.microsoft.com/office/drawing/2014/main" id="{DA21BF7A-B876-4111-918B-D8B88C55F34D}"/>
+              </a:ext>
+            </a:extLst>
+          </p:cNvPr>
+          <p:cNvSpPr>
+            <a:spLocks noGrp="1"/>
+          </p:cNvSpPr>
+          <p:nvPr>
+            <p:ph type="title"/>
+          </p:nvPr>
+        </p:nvSpPr>
+        <p:spPr>
+          <a:xfrm>
+            <a:off x="1069848" y="484632"/>
+            <a:ext cx="10058400" cy="880529"/>
+          </a:xfrm>
+        </p:spPr>
+        <p:txBody>
+          <a:bodyPr/>
+          <a:lstStyle/>
+          <a:p>
+            <a:r>
+              <a:rPr lang="en-CA" dirty="0"/>
+              <a:t>The requirement</a:t>
+            </a:r>
+          </a:p>
+        </p:txBody>
+      </p:sp>
+      <p:sp>
+        <p:nvSpPr>
+          <p:cNvPr id="3" name="Content Placeholder 2">
+            <a:extLst>
+              <a:ext uri="{FF2B5EF4-FFF2-40B4-BE49-F238E27FC236}">
+                <a16:creationId xmlns:a16="http://schemas.microsoft.com/office/drawing/2014/main" id="{4F5BFA5C-92C1-43F1-9452-8ADE90130497}"/>
+              </a:ext>
+            </a:extLst>
+          </p:cNvPr>
+          <p:cNvSpPr>
+            <a:spLocks noGrp="1"/>
+          </p:cNvSpPr>
+          <p:nvPr>
+            <p:ph idx="1"/>
+          </p:nvPr>
+        </p:nvSpPr>
+        <p:spPr>
+          <a:xfrm>
+            <a:off x="1069848" y="1365161"/>
+            <a:ext cx="10058400" cy="5492839"/>
+          </a:xfrm>
+        </p:spPr>
+        <p:txBody>
+          <a:bodyPr>
+            <a:normAutofit/>
+          </a:bodyPr>
+          <a:lstStyle/>
+          <a:p>
+            <a:pPr marL="0" indent="0">
+              <a:buNone/>
+            </a:pPr>
+            <a:r>
+              <a:rPr lang="en-CA" sz="2800" dirty="0"/>
+              <a:t>You have been hired by a bicycle repair shop to create a Database to keep track of the details of customers who: </a:t>
+            </a:r>
+          </a:p>
+          <a:p>
+            <a:pPr marL="0" indent="0">
+              <a:buNone/>
+            </a:pPr>
+            <a:r>
+              <a:rPr lang="en-CA" sz="2800" dirty="0"/>
+              <a:t>(1) Purchase a Bicycle [and are therefore entitled to free lifetime repairs], and </a:t>
+            </a:r>
+          </a:p>
+          <a:p>
+            <a:pPr marL="0" indent="0">
+              <a:buNone/>
+            </a:pPr>
+            <a:r>
+              <a:rPr lang="en-CA" sz="2800" dirty="0"/>
+              <a:t>(2) customers who bring their Bicycle in to be repaired (for a $25/hour fee + cost of parts).</a:t>
+            </a:r>
+          </a:p>
+          <a:p>
+            <a:pPr marL="0" indent="0">
+              <a:buNone/>
+            </a:pPr>
+            <a:endParaRPr lang="en-CA" sz="2800" dirty="0"/>
+          </a:p>
+          <a:p>
+            <a:pPr marL="0" indent="0">
+              <a:buNone/>
+            </a:pPr>
+            <a:r>
+              <a:rPr lang="en-CA" sz="2800" dirty="0"/>
+              <a:t>The Database Shall provide a data structure to store: </a:t>
+            </a:r>
+            <a:r>
+              <a:rPr lang="en-CA" sz="2800" b="1" dirty="0"/>
+              <a:t>customer information</a:t>
+            </a:r>
+            <a:r>
+              <a:rPr lang="en-CA" sz="2800" dirty="0"/>
+              <a:t>, </a:t>
+            </a:r>
+            <a:r>
+              <a:rPr lang="en-CA" sz="2800" b="1" dirty="0"/>
+              <a:t>bicycle information</a:t>
+            </a:r>
+            <a:r>
+              <a:rPr lang="en-CA" sz="2800" dirty="0"/>
+              <a:t>, </a:t>
+            </a:r>
+            <a:r>
+              <a:rPr lang="en-CA" sz="2800" b="1" dirty="0"/>
+              <a:t>and any other relator tables you need to put into your design to make the SQL relationships work</a:t>
+            </a:r>
+            <a:r>
+              <a:rPr lang="en-CA" sz="2800" dirty="0"/>
+              <a:t> </a:t>
+            </a:r>
+          </a:p>
+          <a:p>
+            <a:pPr marL="0" indent="0">
+              <a:buNone/>
+            </a:pPr>
+            <a:endParaRPr lang="en-CA" dirty="0"/>
+          </a:p>
+        </p:txBody>
+      </p:sp>
+    </p:spTree>
+    <p:extLst>
+      <p:ext uri="{BB962C8B-B14F-4D97-AF65-F5344CB8AC3E}">
+        <p14:creationId xmlns:p14="http://schemas.microsoft.com/office/powerpoint/2010/main" val="2656004011"/>
+      </p:ext>
+    </p:extLst>
+  </p:cSld>
+  <p:clrMapOvr>
+    <a:masterClrMapping/>
+  </p:clrMapOvr>
+  <mc:AlternateContent xmlns:mc="http://schemas.openxmlformats.org/markup-compatibility/2006" xmlns:p14="http://schemas.microsoft.com/office/powerpoint/2010/main">
+    <mc:Choice Requires="p14">
+      <p:transition spd="slow" p14:dur="1500">
+        <p:random/>
+      </p:transition>
+    </mc:Choice>
+    <mc:Fallback xmlns="">
+      <p:transition spd="slow">
+        <p:random/>
+      </p:transition>
+    </mc:Fallback>
+  </mc:AlternateContent>
+</p:sld>
+</file>
+
+<file path=ppt/slides/slide11.xml><?xml version="1.0" encoding="utf-8"?>
+<p:sld xmlns:a="http://schemas.openxmlformats.org/drawingml/2006/main" xmlns:r="http://schemas.openxmlformats.org/officeDocument/2006/relationships" xmlns:p="http://schemas.openxmlformats.org/presentationml/2006/main">
+  <p:cSld>
+    <p:spTree>
+      <p:nvGrpSpPr>
+        <p:cNvPr id="1" name=""/>
+        <p:cNvGrpSpPr/>
+        <p:nvPr/>
+      </p:nvGrpSpPr>
+      <p:grpSpPr>
+        <a:xfrm>
+          <a:off x="0" y="0"/>
+          <a:ext cx="0" cy="0"/>
+          <a:chOff x="0" y="0"/>
+          <a:chExt cx="0" cy="0"/>
+        </a:xfrm>
+      </p:grpSpPr>
+      <p:sp>
+        <p:nvSpPr>
+          <p:cNvPr id="2" name="Title 1">
+            <a:extLst>
+              <a:ext uri="{FF2B5EF4-FFF2-40B4-BE49-F238E27FC236}">
+                <a16:creationId xmlns:a16="http://schemas.microsoft.com/office/drawing/2014/main" id="{DA21BF7A-B876-4111-918B-D8B88C55F34D}"/>
+              </a:ext>
+            </a:extLst>
+          </p:cNvPr>
+          <p:cNvSpPr>
+            <a:spLocks noGrp="1"/>
+          </p:cNvSpPr>
+          <p:nvPr>
+            <p:ph type="title"/>
+          </p:nvPr>
+        </p:nvSpPr>
+        <p:spPr>
+          <a:xfrm>
+            <a:off x="1069848" y="484632"/>
+            <a:ext cx="10058400" cy="880529"/>
+          </a:xfrm>
+        </p:spPr>
+        <p:txBody>
+          <a:bodyPr/>
+          <a:lstStyle/>
+          <a:p>
+            <a:r>
+              <a:rPr lang="en-CA" dirty="0"/>
+              <a:t>The requirement</a:t>
+            </a:r>
+          </a:p>
+        </p:txBody>
+      </p:sp>
+      <p:sp>
+        <p:nvSpPr>
+          <p:cNvPr id="3" name="Content Placeholder 2">
+            <a:extLst>
+              <a:ext uri="{FF2B5EF4-FFF2-40B4-BE49-F238E27FC236}">
+                <a16:creationId xmlns:a16="http://schemas.microsoft.com/office/drawing/2014/main" id="{4F5BFA5C-92C1-43F1-9452-8ADE90130497}"/>
+              </a:ext>
+            </a:extLst>
+          </p:cNvPr>
+          <p:cNvSpPr>
+            <a:spLocks noGrp="1"/>
+          </p:cNvSpPr>
+          <p:nvPr>
+            <p:ph idx="1"/>
+          </p:nvPr>
+        </p:nvSpPr>
+        <p:spPr>
+          <a:xfrm>
+            <a:off x="1069848" y="1365161"/>
+            <a:ext cx="10058400" cy="4807039"/>
+          </a:xfrm>
+        </p:spPr>
+        <p:txBody>
+          <a:bodyPr/>
+          <a:lstStyle/>
+          <a:p>
+            <a:r>
+              <a:rPr lang="en-CA" sz="2800" dirty="0"/>
+              <a:t>Sketch the design for your Relational Database system with the necessary tables to make the above-stated requirement work. </a:t>
+            </a:r>
+          </a:p>
+          <a:p>
+            <a:r>
+              <a:rPr lang="en-CA" sz="2800" dirty="0"/>
+              <a:t>State all fields in each table: Field Data types must be specified correctly.</a:t>
+            </a:r>
+          </a:p>
+          <a:p>
+            <a:r>
+              <a:rPr lang="en-CA" sz="2800" dirty="0"/>
+              <a:t>Remember to identify your Primary keys.</a:t>
+            </a:r>
+          </a:p>
+          <a:p>
+            <a:pPr marL="0" indent="0">
+              <a:buNone/>
+            </a:pPr>
+            <a:endParaRPr lang="en-CA" sz="2800" dirty="0"/>
+          </a:p>
+          <a:p>
+            <a:endParaRPr lang="en-CA" dirty="0"/>
+          </a:p>
+        </p:txBody>
+      </p:sp>
+    </p:spTree>
+    <p:extLst>
+      <p:ext uri="{BB962C8B-B14F-4D97-AF65-F5344CB8AC3E}">
+        <p14:creationId xmlns:p14="http://schemas.microsoft.com/office/powerpoint/2010/main" val="3033391640"/>
+      </p:ext>
+    </p:extLst>
+  </p:cSld>
+  <p:clrMapOvr>
+    <a:masterClrMapping/>
+  </p:clrMapOvr>
+  <mc:AlternateContent xmlns:mc="http://schemas.openxmlformats.org/markup-compatibility/2006" xmlns:p14="http://schemas.microsoft.com/office/powerpoint/2010/main">
+    <mc:Choice Requires="p14">
+      <p:transition spd="slow" p14:dur="1500">
+        <p:random/>
+      </p:transition>
+    </mc:Choice>
+    <mc:Fallback xmlns="">
+      <p:transition spd="slow">
+        <p:random/>
+      </p:transition>
+    </mc:Fallback>
+  </mc:AlternateContent>
+</p:sld>
+</file>
+
+<file path=ppt/slides/slide12.xml><?xml version="1.0" encoding="utf-8"?>
+<p:sld xmlns:a="http://schemas.openxmlformats.org/drawingml/2006/main" xmlns:r="http://schemas.openxmlformats.org/officeDocument/2006/relationships" xmlns:p="http://schemas.openxmlformats.org/presentationml/2006/main">
+  <p:cSld>
+    <p:spTree>
+      <p:nvGrpSpPr>
+        <p:cNvPr id="1" name=""/>
+        <p:cNvGrpSpPr/>
+        <p:nvPr/>
+      </p:nvGrpSpPr>
+      <p:grpSpPr>
+        <a:xfrm>
+          <a:off x="0" y="0"/>
+          <a:ext cx="0" cy="0"/>
+          <a:chOff x="0" y="0"/>
+          <a:chExt cx="0" cy="0"/>
+        </a:xfrm>
+      </p:grpSpPr>
+      <p:sp>
+        <p:nvSpPr>
+          <p:cNvPr id="2" name="Title 1">
+            <a:extLst>
+              <a:ext uri="{FF2B5EF4-FFF2-40B4-BE49-F238E27FC236}">
                 <a16:creationId xmlns:a16="http://schemas.microsoft.com/office/drawing/2014/main" id="{47B50E83-25A2-4C5E-BB3F-EB4AA76A45DD}"/>
               </a:ext>
             </a:extLst>
@@ -9348,7 +9828,7 @@
 </p:sld>
 </file>
 
-<file path=ppt/slides/slide11.xml><?xml version="1.0" encoding="utf-8"?>
+<file path=ppt/slides/slide13.xml><?xml version="1.0" encoding="utf-8"?>
 <p:sld xmlns:a="http://schemas.openxmlformats.org/drawingml/2006/main" xmlns:r="http://schemas.openxmlformats.org/officeDocument/2006/relationships" xmlns:p="http://schemas.openxmlformats.org/presentationml/2006/main">
   <p:cSld>
     <p:spTree>
@@ -9735,7 +10215,7 @@
 </p:sld>
 </file>
 
-<file path=ppt/slides/slide12.xml><?xml version="1.0" encoding="utf-8"?>
+<file path=ppt/slides/slide14.xml><?xml version="1.0" encoding="utf-8"?>
 <p:sld xmlns:a="http://schemas.openxmlformats.org/drawingml/2006/main" xmlns:r="http://schemas.openxmlformats.org/officeDocument/2006/relationships" xmlns:p="http://schemas.openxmlformats.org/presentationml/2006/main">
   <p:cSld>
     <p:spTree>
@@ -10144,7 +10624,7 @@
 </p:sld>
 </file>
 
-<file path=ppt/slides/slide13.xml><?xml version="1.0" encoding="utf-8"?>
+<file path=ppt/slides/slide15.xml><?xml version="1.0" encoding="utf-8"?>
 <p:sld xmlns:a="http://schemas.openxmlformats.org/drawingml/2006/main" xmlns:r="http://schemas.openxmlformats.org/officeDocument/2006/relationships" xmlns:p="http://schemas.openxmlformats.org/presentationml/2006/main">
   <p:cSld>
     <p:spTree>
@@ -10327,7 +10807,7 @@
 </p:sld>
 </file>
 
-<file path=ppt/slides/slide14.xml><?xml version="1.0" encoding="utf-8"?>
+<file path=ppt/slides/slide16.xml><?xml version="1.0" encoding="utf-8"?>
 <p:sld xmlns:a="http://schemas.openxmlformats.org/drawingml/2006/main" xmlns:r="http://schemas.openxmlformats.org/officeDocument/2006/relationships" xmlns:p="http://schemas.openxmlformats.org/presentationml/2006/main">
   <p:cSld>
     <p:spTree>
@@ -10434,7 +10914,7 @@
 </p:sld>
 </file>
 
-<file path=ppt/slides/slide15.xml><?xml version="1.0" encoding="utf-8"?>
+<file path=ppt/slides/slide17.xml><?xml version="1.0" encoding="utf-8"?>
 <p:sld xmlns:a="http://schemas.openxmlformats.org/drawingml/2006/main" xmlns:r="http://schemas.openxmlformats.org/officeDocument/2006/relationships" xmlns:p="http://schemas.openxmlformats.org/presentationml/2006/main">
   <p:cSld>
     <p:bg>
@@ -10478,7 +10958,7 @@
 </p:sld>
 </file>
 
-<file path=ppt/slides/slide16.xml><?xml version="1.0" encoding="utf-8"?>
+<file path=ppt/slides/slide18.xml><?xml version="1.0" encoding="utf-8"?>
 <p:sld xmlns:a="http://schemas.openxmlformats.org/drawingml/2006/main" xmlns:r="http://schemas.openxmlformats.org/officeDocument/2006/relationships" xmlns:p="http://schemas.openxmlformats.org/presentationml/2006/main">
   <p:cSld>
     <p:bg>
@@ -10631,7 +11111,7 @@
 </p:sld>
 </file>
 
-<file path=ppt/slides/slide17.xml><?xml version="1.0" encoding="utf-8"?>
+<file path=ppt/slides/slide19.xml><?xml version="1.0" encoding="utf-8"?>
 <p:sld xmlns:a="http://schemas.openxmlformats.org/drawingml/2006/main" xmlns:r="http://schemas.openxmlformats.org/officeDocument/2006/relationships" xmlns:p="http://schemas.openxmlformats.org/presentationml/2006/main">
   <p:cSld>
     <p:spTree>
@@ -10703,7 +11183,487 @@
 </p:sld>
 </file>
 
-<file path=ppt/slides/slide18.xml><?xml version="1.0" encoding="utf-8"?>
+<file path=ppt/slides/slide2.xml><?xml version="1.0" encoding="utf-8"?>
+<p:sld xmlns:a="http://schemas.openxmlformats.org/drawingml/2006/main" xmlns:r="http://schemas.openxmlformats.org/officeDocument/2006/relationships" xmlns:p="http://schemas.openxmlformats.org/presentationml/2006/main">
+  <p:cSld>
+    <p:spTree>
+      <p:nvGrpSpPr>
+        <p:cNvPr id="1" name=""/>
+        <p:cNvGrpSpPr/>
+        <p:nvPr/>
+      </p:nvGrpSpPr>
+      <p:grpSpPr>
+        <a:xfrm>
+          <a:off x="0" y="0"/>
+          <a:ext cx="0" cy="0"/>
+          <a:chOff x="0" y="0"/>
+          <a:chExt cx="0" cy="0"/>
+        </a:xfrm>
+      </p:grpSpPr>
+      <p:sp>
+        <p:nvSpPr>
+          <p:cNvPr id="2" name="Title 1">
+            <a:extLst>
+              <a:ext uri="{FF2B5EF4-FFF2-40B4-BE49-F238E27FC236}">
+                <a16:creationId xmlns:a16="http://schemas.microsoft.com/office/drawing/2014/main" id="{24DC9421-BB9A-41F9-BD9B-F6300A4941B7}"/>
+              </a:ext>
+            </a:extLst>
+          </p:cNvPr>
+          <p:cNvSpPr>
+            <a:spLocks noGrp="1"/>
+          </p:cNvSpPr>
+          <p:nvPr>
+            <p:ph type="title"/>
+          </p:nvPr>
+        </p:nvSpPr>
+        <p:spPr>
+          <a:xfrm>
+            <a:off x="1066799" y="319754"/>
+            <a:ext cx="10058400" cy="1101281"/>
+          </a:xfrm>
+        </p:spPr>
+        <p:txBody>
+          <a:bodyPr/>
+          <a:lstStyle/>
+          <a:p>
+            <a:r>
+              <a:rPr lang="en-CA" dirty="0"/>
+              <a:t>See my sample access code on </a:t>
+            </a:r>
+            <a:r>
+              <a:rPr lang="en-CA" dirty="0" err="1"/>
+              <a:t>github</a:t>
+            </a:r>
+            <a:r>
+              <a:rPr lang="en-CA" dirty="0"/>
+              <a:t>:</a:t>
+            </a:r>
+          </a:p>
+        </p:txBody>
+      </p:sp>
+      <p:sp>
+        <p:nvSpPr>
+          <p:cNvPr id="3" name="Content Placeholder 2">
+            <a:extLst>
+              <a:ext uri="{FF2B5EF4-FFF2-40B4-BE49-F238E27FC236}">
+                <a16:creationId xmlns:a16="http://schemas.microsoft.com/office/drawing/2014/main" id="{9432BEAA-6D5D-45D4-89A7-0813F3040F8F}"/>
+              </a:ext>
+            </a:extLst>
+          </p:cNvPr>
+          <p:cNvSpPr>
+            <a:spLocks noGrp="1"/>
+          </p:cNvSpPr>
+          <p:nvPr>
+            <p:ph idx="1"/>
+          </p:nvPr>
+        </p:nvSpPr>
+        <p:spPr>
+          <a:xfrm>
+            <a:off x="423861" y="1350168"/>
+            <a:ext cx="11344275" cy="878967"/>
+          </a:xfrm>
+        </p:spPr>
+        <p:txBody>
+          <a:bodyPr>
+            <a:normAutofit/>
+          </a:bodyPr>
+          <a:lstStyle/>
+          <a:p>
+            <a:pPr marL="0" indent="0">
+              <a:buNone/>
+            </a:pPr>
+            <a:r>
+              <a:rPr lang="en-CA" sz="3600" dirty="0">
+                <a:hlinkClick r:id="rId2"/>
+              </a:rPr>
+              <a:t>https://github.com/PeterSigurdson/MSAccessAssets</a:t>
+            </a:r>
+            <a:endParaRPr lang="en-CA" sz="3600" dirty="0"/>
+          </a:p>
+        </p:txBody>
+      </p:sp>
+      <p:sp>
+        <p:nvSpPr>
+          <p:cNvPr id="4" name="Rectangle 3">
+            <a:extLst>
+              <a:ext uri="{FF2B5EF4-FFF2-40B4-BE49-F238E27FC236}">
+                <a16:creationId xmlns:a16="http://schemas.microsoft.com/office/drawing/2014/main" id="{CE2A19E3-DD64-4F5C-993A-F9B48649FD42}"/>
+              </a:ext>
+            </a:extLst>
+          </p:cNvPr>
+          <p:cNvSpPr/>
+          <p:nvPr/>
+        </p:nvSpPr>
+        <p:spPr>
+          <a:xfrm>
+            <a:off x="259554" y="2064257"/>
+            <a:ext cx="11672888" cy="329756"/>
+          </a:xfrm>
+          <a:prstGeom prst="rect">
+            <a:avLst/>
+          </a:prstGeom>
+        </p:spPr>
+        <p:style>
+          <a:lnRef idx="2">
+            <a:schemeClr val="accent1">
+              <a:shade val="50000"/>
+            </a:schemeClr>
+          </a:lnRef>
+          <a:fillRef idx="1">
+            <a:schemeClr val="accent1"/>
+          </a:fillRef>
+          <a:effectRef idx="0">
+            <a:schemeClr val="accent1"/>
+          </a:effectRef>
+          <a:fontRef idx="minor">
+            <a:schemeClr val="lt1"/>
+          </a:fontRef>
+        </p:style>
+        <p:txBody>
+          <a:bodyPr rtlCol="0" anchor="ctr"/>
+          <a:lstStyle/>
+          <a:p>
+            <a:pPr marL="0" marR="0" lvl="0" indent="0" algn="ctr" defTabSz="457200" rtl="0" eaLnBrk="1" fontAlgn="auto" latinLnBrk="0" hangingPunct="1">
+              <a:lnSpc>
+                <a:spcPct val="100000"/>
+              </a:lnSpc>
+              <a:spcBef>
+                <a:spcPts val="0"/>
+              </a:spcBef>
+              <a:spcAft>
+                <a:spcPts val="0"/>
+              </a:spcAft>
+              <a:buClrTx/>
+              <a:buSzTx/>
+              <a:buFontTx/>
+              <a:buNone/>
+              <a:tabLst/>
+              <a:defRPr/>
+            </a:pPr>
+            <a:endParaRPr kumimoji="0" lang="en-CA" sz="1800" b="0" i="0" u="none" strike="noStrike" kern="1200" cap="none" spc="0" normalizeH="0" baseline="0" noProof="0">
+              <a:ln>
+                <a:noFill/>
+              </a:ln>
+              <a:solidFill>
+                <a:prstClr val="white"/>
+              </a:solidFill>
+              <a:effectLst/>
+              <a:uLnTx/>
+              <a:uFillTx/>
+              <a:latin typeface="Rockwell" panose="02060603020205020403"/>
+              <a:ea typeface="+mn-ea"/>
+              <a:cs typeface="+mn-cs"/>
+            </a:endParaRPr>
+          </a:p>
+        </p:txBody>
+      </p:sp>
+      <p:sp>
+        <p:nvSpPr>
+          <p:cNvPr id="5" name="Title 1">
+            <a:extLst>
+              <a:ext uri="{FF2B5EF4-FFF2-40B4-BE49-F238E27FC236}">
+                <a16:creationId xmlns:a16="http://schemas.microsoft.com/office/drawing/2014/main" id="{91768DC7-C5CA-40A1-8246-8AB849DB65BE}"/>
+              </a:ext>
+            </a:extLst>
+          </p:cNvPr>
+          <p:cNvSpPr txBox="1">
+            <a:spLocks/>
+          </p:cNvSpPr>
+          <p:nvPr/>
+        </p:nvSpPr>
+        <p:spPr>
+          <a:xfrm>
+            <a:off x="423861" y="2584893"/>
+            <a:ext cx="10058400" cy="2022538"/>
+          </a:xfrm>
+          <a:prstGeom prst="rect">
+            <a:avLst/>
+          </a:prstGeom>
+        </p:spPr>
+        <p:txBody>
+          <a:bodyPr vert="horz" lIns="91440" tIns="45720" rIns="91440" bIns="45720" rtlCol="0" anchor="ctr">
+            <a:normAutofit fontScale="92500" lnSpcReduction="10000"/>
+          </a:bodyPr>
+          <a:lstStyle>
+            <a:lvl1pPr algn="l" defTabSz="914400" rtl="0" eaLnBrk="1" latinLnBrk="0" hangingPunct="1">
+              <a:lnSpc>
+                <a:spcPct val="90000"/>
+              </a:lnSpc>
+              <a:spcBef>
+                <a:spcPct val="0"/>
+              </a:spcBef>
+              <a:buNone/>
+              <a:defRPr sz="5400" kern="1200" cap="all" baseline="0">
+                <a:blipFill>
+                  <a:blip r:embed="rId3">
+                    <a:extLst>
+                      <a:ext uri="{28A0092B-C50C-407E-A947-70E740481C1C}">
+                        <a14:useLocalDpi xmlns:a14="http://schemas.microsoft.com/office/drawing/2010/main" val="0"/>
+                      </a:ext>
+                    </a:extLst>
+                  </a:blip>
+                  <a:tile tx="6350" ty="-127000" sx="65000" sy="64000" flip="none" algn="tl"/>
+                </a:blipFill>
+                <a:latin typeface="+mj-lt"/>
+                <a:ea typeface="+mj-ea"/>
+                <a:cs typeface="+mj-cs"/>
+              </a:defRPr>
+            </a:lvl1pPr>
+          </a:lstStyle>
+          <a:p>
+            <a:pPr marL="0" marR="0" lvl="0" indent="0" algn="l" defTabSz="914400" rtl="0" eaLnBrk="1" fontAlgn="auto" latinLnBrk="0" hangingPunct="1">
+              <a:lnSpc>
+                <a:spcPct val="90000"/>
+              </a:lnSpc>
+              <a:spcBef>
+                <a:spcPct val="0"/>
+              </a:spcBef>
+              <a:spcAft>
+                <a:spcPts val="0"/>
+              </a:spcAft>
+              <a:buClrTx/>
+              <a:buSzTx/>
+              <a:buFontTx/>
+              <a:buNone/>
+              <a:tabLst/>
+              <a:defRPr/>
+            </a:pPr>
+            <a:r>
+              <a:rPr kumimoji="0" lang="en-CA" sz="5400" b="0" i="0" u="none" strike="noStrike" kern="1200" cap="all" spc="0" normalizeH="0" baseline="0" noProof="0" dirty="0">
+                <a:ln>
+                  <a:noFill/>
+                </a:ln>
+                <a:blipFill>
+                  <a:blip r:embed="rId3">
+                    <a:extLst>
+                      <a:ext uri="{28A0092B-C50C-407E-A947-70E740481C1C}">
+                        <a14:useLocalDpi xmlns:a14="http://schemas.microsoft.com/office/drawing/2010/main" val="0"/>
+                      </a:ext>
+                    </a:extLst>
+                  </a:blip>
+                  <a:tile tx="6350" ty="-127000" sx="65000" sy="64000" flip="none" algn="tl"/>
+                </a:blipFill>
+                <a:effectLst/>
+                <a:uLnTx/>
+                <a:uFillTx/>
+                <a:latin typeface="Rockwell Condensed" panose="02060603050405020104"/>
+                <a:ea typeface="+mj-ea"/>
+                <a:cs typeface="+mj-cs"/>
+              </a:rPr>
+              <a:t>USE SUBLIME TEXT EDITOR:</a:t>
+            </a:r>
+          </a:p>
+          <a:p>
+            <a:pPr marL="0" marR="0" lvl="0" indent="0" algn="l" defTabSz="914400" rtl="0" eaLnBrk="1" fontAlgn="auto" latinLnBrk="0" hangingPunct="1">
+              <a:lnSpc>
+                <a:spcPct val="90000"/>
+              </a:lnSpc>
+              <a:spcBef>
+                <a:spcPct val="0"/>
+              </a:spcBef>
+              <a:spcAft>
+                <a:spcPts val="0"/>
+              </a:spcAft>
+              <a:buClrTx/>
+              <a:buSzTx/>
+              <a:buFontTx/>
+              <a:buNone/>
+              <a:tabLst/>
+              <a:defRPr/>
+            </a:pPr>
+            <a:endParaRPr kumimoji="0" lang="en-CA" sz="5400" b="0" i="0" u="none" strike="noStrike" kern="1200" cap="all" spc="0" normalizeH="0" baseline="0" noProof="0" dirty="0">
+              <a:ln>
+                <a:noFill/>
+              </a:ln>
+              <a:blipFill>
+                <a:blip r:embed="rId3">
+                  <a:extLst>
+                    <a:ext uri="{28A0092B-C50C-407E-A947-70E740481C1C}">
+                      <a14:useLocalDpi xmlns:a14="http://schemas.microsoft.com/office/drawing/2010/main" val="0"/>
+                    </a:ext>
+                  </a:extLst>
+                </a:blip>
+                <a:tile tx="6350" ty="-127000" sx="65000" sy="64000" flip="none" algn="tl"/>
+              </a:blipFill>
+              <a:effectLst/>
+              <a:uLnTx/>
+              <a:uFillTx/>
+              <a:latin typeface="Rockwell Condensed" panose="02060603050405020104"/>
+              <a:ea typeface="+mj-ea"/>
+              <a:cs typeface="+mj-cs"/>
+            </a:endParaRPr>
+          </a:p>
+          <a:p>
+            <a:pPr marL="0" marR="0" lvl="0" indent="0" algn="l" defTabSz="914400" rtl="0" eaLnBrk="1" fontAlgn="auto" latinLnBrk="0" hangingPunct="1">
+              <a:lnSpc>
+                <a:spcPct val="90000"/>
+              </a:lnSpc>
+              <a:spcBef>
+                <a:spcPct val="0"/>
+              </a:spcBef>
+              <a:spcAft>
+                <a:spcPts val="0"/>
+              </a:spcAft>
+              <a:buClrTx/>
+              <a:buSzTx/>
+              <a:buFontTx/>
+              <a:buNone/>
+              <a:tabLst/>
+              <a:defRPr/>
+            </a:pPr>
+            <a:r>
+              <a:rPr kumimoji="0" lang="en-CA" sz="5400" b="0" i="0" u="none" strike="noStrike" kern="1200" cap="all" spc="0" normalizeH="0" baseline="0" noProof="0" dirty="0">
+                <a:ln>
+                  <a:noFill/>
+                </a:ln>
+                <a:blipFill>
+                  <a:blip r:embed="rId3">
+                    <a:extLst>
+                      <a:ext uri="{28A0092B-C50C-407E-A947-70E740481C1C}">
+                        <a14:useLocalDpi xmlns:a14="http://schemas.microsoft.com/office/drawing/2010/main" val="0"/>
+                      </a:ext>
+                    </a:extLst>
+                  </a:blip>
+                  <a:tile tx="6350" ty="-127000" sx="65000" sy="64000" flip="none" algn="tl"/>
+                </a:blipFill>
+                <a:effectLst/>
+                <a:uLnTx/>
+                <a:uFillTx/>
+                <a:latin typeface="Rockwell Condensed" panose="02060603050405020104"/>
+                <a:ea typeface="+mj-ea"/>
+                <a:cs typeface="+mj-cs"/>
+              </a:rPr>
+              <a:t>(it gives you </a:t>
+            </a:r>
+            <a:r>
+              <a:rPr kumimoji="0" lang="en-CA" sz="5400" b="0" i="0" u="none" strike="noStrike" kern="1200" cap="all" spc="0" normalizeH="0" baseline="0" noProof="0" dirty="0" err="1">
+                <a:ln>
+                  <a:noFill/>
+                </a:ln>
+                <a:blipFill>
+                  <a:blip r:embed="rId3">
+                    <a:extLst>
+                      <a:ext uri="{28A0092B-C50C-407E-A947-70E740481C1C}">
+                        <a14:useLocalDpi xmlns:a14="http://schemas.microsoft.com/office/drawing/2010/main" val="0"/>
+                      </a:ext>
+                    </a:extLst>
+                  </a:blip>
+                  <a:tile tx="6350" ty="-127000" sx="65000" sy="64000" flip="none" algn="tl"/>
+                </a:blipFill>
+                <a:effectLst/>
+                <a:uLnTx/>
+                <a:uFillTx/>
+                <a:latin typeface="Rockwell Condensed" panose="02060603050405020104"/>
+                <a:ea typeface="+mj-ea"/>
+                <a:cs typeface="+mj-cs"/>
+              </a:rPr>
+              <a:t>sql</a:t>
+            </a:r>
+            <a:r>
+              <a:rPr kumimoji="0" lang="en-CA" sz="5400" b="0" i="0" u="none" strike="noStrike" kern="1200" cap="all" spc="0" normalizeH="0" baseline="0" noProof="0" dirty="0">
+                <a:ln>
+                  <a:noFill/>
+                </a:ln>
+                <a:blipFill>
+                  <a:blip r:embed="rId3">
+                    <a:extLst>
+                      <a:ext uri="{28A0092B-C50C-407E-A947-70E740481C1C}">
+                        <a14:useLocalDpi xmlns:a14="http://schemas.microsoft.com/office/drawing/2010/main" val="0"/>
+                      </a:ext>
+                    </a:extLst>
+                  </a:blip>
+                  <a:tile tx="6350" ty="-127000" sx="65000" sy="64000" flip="none" algn="tl"/>
+                </a:blipFill>
+                <a:effectLst/>
+                <a:uLnTx/>
+                <a:uFillTx/>
+                <a:latin typeface="Rockwell Condensed" panose="02060603050405020104"/>
+                <a:ea typeface="+mj-ea"/>
+                <a:cs typeface="+mj-cs"/>
+              </a:rPr>
+              <a:t> syntax color coding!)</a:t>
+            </a:r>
+          </a:p>
+        </p:txBody>
+      </p:sp>
+      <p:sp>
+        <p:nvSpPr>
+          <p:cNvPr id="6" name="Rectangle 5">
+            <a:extLst>
+              <a:ext uri="{FF2B5EF4-FFF2-40B4-BE49-F238E27FC236}">
+                <a16:creationId xmlns:a16="http://schemas.microsoft.com/office/drawing/2014/main" id="{A1A595D9-8826-4CD9-BC24-FA7E7BEC41AC}"/>
+              </a:ext>
+            </a:extLst>
+          </p:cNvPr>
+          <p:cNvSpPr/>
+          <p:nvPr/>
+        </p:nvSpPr>
+        <p:spPr>
+          <a:xfrm>
+            <a:off x="504563" y="4810309"/>
+            <a:ext cx="11182870" cy="923330"/>
+          </a:xfrm>
+          <a:prstGeom prst="rect">
+            <a:avLst/>
+          </a:prstGeom>
+        </p:spPr>
+        <p:txBody>
+          <a:bodyPr wrap="none">
+            <a:spAutoFit/>
+          </a:bodyPr>
+          <a:lstStyle/>
+          <a:p>
+            <a:pPr marL="0" marR="0" lvl="0" indent="0" algn="l" defTabSz="457200" rtl="0" eaLnBrk="1" fontAlgn="auto" latinLnBrk="0" hangingPunct="1">
+              <a:lnSpc>
+                <a:spcPct val="100000"/>
+              </a:lnSpc>
+              <a:spcBef>
+                <a:spcPts val="0"/>
+              </a:spcBef>
+              <a:spcAft>
+                <a:spcPts val="0"/>
+              </a:spcAft>
+              <a:buClrTx/>
+              <a:buSzTx/>
+              <a:buFontTx/>
+              <a:buNone/>
+              <a:tabLst/>
+              <a:defRPr/>
+            </a:pPr>
+            <a:r>
+              <a:rPr kumimoji="0" lang="en-CA" sz="5400" b="1" i="0" u="none" strike="noStrike" kern="1200" cap="none" spc="0" normalizeH="0" baseline="0" noProof="0" dirty="0">
+                <a:ln>
+                  <a:noFill/>
+                </a:ln>
+                <a:solidFill>
+                  <a:srgbClr val="262626"/>
+                </a:solidFill>
+                <a:effectLst/>
+                <a:uLnTx/>
+                <a:uFillTx/>
+                <a:latin typeface="Rockwell" panose="02060603020205020403"/>
+                <a:ea typeface="+mn-ea"/>
+                <a:cs typeface="+mn-cs"/>
+              </a:rPr>
+              <a:t>https://www.sublimetext.com/3</a:t>
+            </a:r>
+          </a:p>
+        </p:txBody>
+      </p:sp>
+    </p:spTree>
+    <p:extLst>
+      <p:ext uri="{BB962C8B-B14F-4D97-AF65-F5344CB8AC3E}">
+        <p14:creationId xmlns:p14="http://schemas.microsoft.com/office/powerpoint/2010/main" val="3590755009"/>
+      </p:ext>
+    </p:extLst>
+  </p:cSld>
+  <p:clrMapOvr>
+    <a:masterClrMapping/>
+  </p:clrMapOvr>
+</p:sld>
+</file>
+
+<file path=ppt/slides/slide20.xml><?xml version="1.0" encoding="utf-8"?>
 <p:sld xmlns:a="http://schemas.openxmlformats.org/drawingml/2006/main" xmlns:r="http://schemas.openxmlformats.org/officeDocument/2006/relationships" xmlns:p="http://schemas.openxmlformats.org/presentationml/2006/main">
   <p:cSld>
     <p:bg>
@@ -10771,7 +11731,7 @@
 </p:sld>
 </file>
 
-<file path=ppt/slides/slide19.xml><?xml version="1.0" encoding="utf-8"?>
+<file path=ppt/slides/slide21.xml><?xml version="1.0" encoding="utf-8"?>
 <p:sld xmlns:a="http://schemas.openxmlformats.org/drawingml/2006/main" xmlns:r="http://schemas.openxmlformats.org/officeDocument/2006/relationships" xmlns:p="http://schemas.openxmlformats.org/presentationml/2006/main">
   <p:cSld>
     <p:bg>
@@ -10873,131 +11833,7 @@
 </p:sld>
 </file>
 
-<file path=ppt/slides/slide2.xml><?xml version="1.0" encoding="utf-8"?>
-<p:sld xmlns:a="http://schemas.openxmlformats.org/drawingml/2006/main" xmlns:r="http://schemas.openxmlformats.org/officeDocument/2006/relationships" xmlns:p="http://schemas.openxmlformats.org/presentationml/2006/main">
-  <p:cSld>
-    <p:spTree>
-      <p:nvGrpSpPr>
-        <p:cNvPr id="1" name=""/>
-        <p:cNvGrpSpPr/>
-        <p:nvPr/>
-      </p:nvGrpSpPr>
-      <p:grpSpPr>
-        <a:xfrm>
-          <a:off x="0" y="0"/>
-          <a:ext cx="0" cy="0"/>
-          <a:chOff x="0" y="0"/>
-          <a:chExt cx="0" cy="0"/>
-        </a:xfrm>
-      </p:grpSpPr>
-      <p:pic>
-        <p:nvPicPr>
-          <p:cNvPr id="4" name="Picture 3">
-            <a:extLst>
-              <a:ext uri="{FF2B5EF4-FFF2-40B4-BE49-F238E27FC236}">
-                <a16:creationId xmlns:a16="http://schemas.microsoft.com/office/drawing/2014/main" id="{C8523E54-D250-43FB-9B44-2F34DF3B2113}"/>
-              </a:ext>
-            </a:extLst>
-          </p:cNvPr>
-          <p:cNvPicPr>
-            <a:picLocks noChangeAspect="1"/>
-          </p:cNvPicPr>
-          <p:nvPr/>
-        </p:nvPicPr>
-        <p:blipFill>
-          <a:blip r:embed="rId2"/>
-          <a:stretch>
-            <a:fillRect/>
-          </a:stretch>
-        </p:blipFill>
-        <p:spPr>
-          <a:xfrm>
-            <a:off x="660000" y="1108606"/>
-            <a:ext cx="9500000" cy="5519366"/>
-          </a:xfrm>
-          <a:prstGeom prst="rect">
-            <a:avLst/>
-          </a:prstGeom>
-        </p:spPr>
-      </p:pic>
-      <p:sp>
-        <p:nvSpPr>
-          <p:cNvPr id="5" name="Rectangle 4">
-            <a:extLst>
-              <a:ext uri="{FF2B5EF4-FFF2-40B4-BE49-F238E27FC236}">
-                <a16:creationId xmlns:a16="http://schemas.microsoft.com/office/drawing/2014/main" id="{1C7FC801-C525-4E51-BF4E-ADC975FD3A1F}"/>
-              </a:ext>
-            </a:extLst>
-          </p:cNvPr>
-          <p:cNvSpPr/>
-          <p:nvPr/>
-        </p:nvSpPr>
-        <p:spPr>
-          <a:xfrm>
-            <a:off x="659999" y="230028"/>
-            <a:ext cx="11096571" cy="646331"/>
-          </a:xfrm>
-          <a:prstGeom prst="rect">
-            <a:avLst/>
-          </a:prstGeom>
-        </p:spPr>
-        <p:txBody>
-          <a:bodyPr wrap="square">
-            <a:spAutoFit/>
-          </a:bodyPr>
-          <a:lstStyle/>
-          <a:p>
-            <a:pPr marL="0" marR="0" lvl="0" indent="0" algn="l" defTabSz="914400" rtl="0" eaLnBrk="1" fontAlgn="auto" latinLnBrk="0" hangingPunct="1">
-              <a:lnSpc>
-                <a:spcPct val="100000"/>
-              </a:lnSpc>
-              <a:spcBef>
-                <a:spcPts val="0"/>
-              </a:spcBef>
-              <a:spcAft>
-                <a:spcPts val="0"/>
-              </a:spcAft>
-              <a:buClrTx/>
-              <a:buSzTx/>
-              <a:buFontTx/>
-              <a:buNone/>
-              <a:tabLst/>
-              <a:defRPr/>
-            </a:pPr>
-            <a:r>
-              <a:rPr kumimoji="0" lang="en-CA" sz="1800" b="0" i="0" u="none" strike="noStrike" kern="1200" cap="none" spc="0" normalizeH="0" baseline="0" noProof="0" dirty="0">
-                <a:ln>
-                  <a:noFill/>
-                </a:ln>
-                <a:solidFill>
-                  <a:prstClr val="black"/>
-                </a:solidFill>
-                <a:effectLst/>
-                <a:uLnTx/>
-                <a:uFillTx/>
-                <a:latin typeface="Calibri" panose="020F0502020204030204"/>
-                <a:ea typeface="+mn-ea"/>
-                <a:cs typeface="+mn-cs"/>
-              </a:rPr>
-              <a:t>https://support.office.com/en-us/article/access-sql-basic-concepts-vocabulary-and-syntax-444d0303-cde1-424e-9a74-e8dc3e460671</a:t>
-            </a:r>
-          </a:p>
-        </p:txBody>
-      </p:sp>
-    </p:spTree>
-    <p:extLst>
-      <p:ext uri="{BB962C8B-B14F-4D97-AF65-F5344CB8AC3E}">
-        <p14:creationId xmlns:p14="http://schemas.microsoft.com/office/powerpoint/2010/main" val="970041683"/>
-      </p:ext>
-    </p:extLst>
-  </p:cSld>
-  <p:clrMapOvr>
-    <a:masterClrMapping/>
-  </p:clrMapOvr>
-</p:sld>
-</file>
-
-<file path=ppt/slides/slide20.xml><?xml version="1.0" encoding="utf-8"?>
+<file path=ppt/slides/slide22.xml><?xml version="1.0" encoding="utf-8"?>
 <p:sld xmlns:a="http://schemas.openxmlformats.org/drawingml/2006/main" xmlns:r="http://schemas.openxmlformats.org/officeDocument/2006/relationships" xmlns:p="http://schemas.openxmlformats.org/presentationml/2006/main">
   <p:cSld>
     <p:spTree>
@@ -11583,335 +12419,6 @@
 </p:sld>
 </file>
 
-<file path=ppt/slides/slide21.xml><?xml version="1.0" encoding="utf-8"?>
-<p:sld xmlns:a="http://schemas.openxmlformats.org/drawingml/2006/main" xmlns:r="http://schemas.openxmlformats.org/officeDocument/2006/relationships" xmlns:p="http://schemas.openxmlformats.org/presentationml/2006/main">
-  <p:cSld>
-    <p:spTree>
-      <p:nvGrpSpPr>
-        <p:cNvPr id="1" name=""/>
-        <p:cNvGrpSpPr/>
-        <p:nvPr/>
-      </p:nvGrpSpPr>
-      <p:grpSpPr>
-        <a:xfrm>
-          <a:off x="0" y="0"/>
-          <a:ext cx="0" cy="0"/>
-          <a:chOff x="0" y="0"/>
-          <a:chExt cx="0" cy="0"/>
-        </a:xfrm>
-      </p:grpSpPr>
-      <p:sp>
-        <p:nvSpPr>
-          <p:cNvPr id="2" name="Title 1">
-            <a:extLst>
-              <a:ext uri="{FF2B5EF4-FFF2-40B4-BE49-F238E27FC236}">
-                <a16:creationId xmlns:a16="http://schemas.microsoft.com/office/drawing/2014/main" id="{171FA9D9-E9A8-4554-AF11-E729CC9D8431}"/>
-              </a:ext>
-            </a:extLst>
-          </p:cNvPr>
-          <p:cNvSpPr>
-            <a:spLocks noGrp="1"/>
-          </p:cNvSpPr>
-          <p:nvPr>
-            <p:ph type="title"/>
-          </p:nvPr>
-        </p:nvSpPr>
-        <p:spPr/>
-        <p:txBody>
-          <a:bodyPr/>
-          <a:lstStyle/>
-          <a:p>
-            <a:r>
-              <a:rPr lang="en-CA" dirty="0"/>
-              <a:t>WORKSHEET FOR DATABASE PROJECT DELIVERABLE:</a:t>
-            </a:r>
-          </a:p>
-        </p:txBody>
-      </p:sp>
-      <p:sp>
-        <p:nvSpPr>
-          <p:cNvPr id="3" name="Content Placeholder 2">
-            <a:extLst>
-              <a:ext uri="{FF2B5EF4-FFF2-40B4-BE49-F238E27FC236}">
-                <a16:creationId xmlns:a16="http://schemas.microsoft.com/office/drawing/2014/main" id="{2C76C012-1285-45C3-A302-E24F7A96056B}"/>
-              </a:ext>
-            </a:extLst>
-          </p:cNvPr>
-          <p:cNvSpPr>
-            <a:spLocks noGrp="1"/>
-          </p:cNvSpPr>
-          <p:nvPr>
-            <p:ph idx="1"/>
-          </p:nvPr>
-        </p:nvSpPr>
-        <p:spPr>
-          <a:xfrm>
-            <a:off x="986971" y="2093976"/>
-            <a:ext cx="10058400" cy="4050792"/>
-          </a:xfrm>
-        </p:spPr>
-        <p:txBody>
-          <a:bodyPr/>
-          <a:lstStyle/>
-          <a:p>
-            <a:pPr marL="0" indent="0">
-              <a:buNone/>
-            </a:pPr>
-            <a:r>
-              <a:rPr lang="en-CA" b="1" u="sng" dirty="0">
-                <a:solidFill>
-                  <a:srgbClr val="666666"/>
-                </a:solidFill>
-              </a:rPr>
-              <a:t>Write 3 SQL Statements:</a:t>
-            </a:r>
-          </a:p>
-          <a:p>
-            <a:pPr marL="0" indent="0">
-              <a:buNone/>
-            </a:pPr>
-            <a:endParaRPr lang="en-CA" b="1" u="sng" dirty="0">
-              <a:solidFill>
-                <a:srgbClr val="666666"/>
-              </a:solidFill>
-            </a:endParaRPr>
-          </a:p>
-          <a:p>
-            <a:pPr marL="0" indent="0">
-              <a:buNone/>
-            </a:pPr>
-            <a:r>
-              <a:rPr lang="en-CA" sz="2800" b="1" dirty="0">
-                <a:solidFill>
-                  <a:srgbClr val="0070C0"/>
-                </a:solidFill>
-              </a:rPr>
-              <a:t>Generate a Report on all  Bicycles purchased or brought in for repair:</a:t>
-            </a:r>
-          </a:p>
-          <a:p>
-            <a:pPr marL="0" indent="0">
-              <a:buNone/>
-            </a:pPr>
-            <a:r>
-              <a:rPr lang="en-CA" sz="2800" b="1" dirty="0">
-                <a:solidFill>
-                  <a:srgbClr val="0070C0"/>
-                </a:solidFill>
-              </a:rPr>
-              <a:t>INCLUDING THE REPAIR DETAILS AND THE CUSTOMER DETAILS.</a:t>
-            </a:r>
-          </a:p>
-          <a:p>
-            <a:pPr marL="0" indent="0">
-              <a:buNone/>
-            </a:pPr>
-            <a:endParaRPr lang="en-CA" b="1" dirty="0"/>
-          </a:p>
-          <a:p>
-            <a:endParaRPr lang="en-CA" dirty="0"/>
-          </a:p>
-        </p:txBody>
-      </p:sp>
-    </p:spTree>
-    <p:extLst>
-      <p:ext uri="{BB962C8B-B14F-4D97-AF65-F5344CB8AC3E}">
-        <p14:creationId xmlns:p14="http://schemas.microsoft.com/office/powerpoint/2010/main" val="3702586207"/>
-      </p:ext>
-    </p:extLst>
-  </p:cSld>
-  <p:clrMapOvr>
-    <a:masterClrMapping/>
-  </p:clrMapOvr>
-</p:sld>
-</file>
-
-<file path=ppt/slides/slide22.xml><?xml version="1.0" encoding="utf-8"?>
-<p:sld xmlns:a="http://schemas.openxmlformats.org/drawingml/2006/main" xmlns:r="http://schemas.openxmlformats.org/officeDocument/2006/relationships" xmlns:p="http://schemas.openxmlformats.org/presentationml/2006/main">
-  <p:cSld>
-    <p:spTree>
-      <p:nvGrpSpPr>
-        <p:cNvPr id="1" name=""/>
-        <p:cNvGrpSpPr/>
-        <p:nvPr/>
-      </p:nvGrpSpPr>
-      <p:grpSpPr>
-        <a:xfrm>
-          <a:off x="0" y="0"/>
-          <a:ext cx="0" cy="0"/>
-          <a:chOff x="0" y="0"/>
-          <a:chExt cx="0" cy="0"/>
-        </a:xfrm>
-      </p:grpSpPr>
-      <p:sp>
-        <p:nvSpPr>
-          <p:cNvPr id="2" name="Title 1">
-            <a:extLst>
-              <a:ext uri="{FF2B5EF4-FFF2-40B4-BE49-F238E27FC236}">
-                <a16:creationId xmlns:a16="http://schemas.microsoft.com/office/drawing/2014/main" id="{171FA9D9-E9A8-4554-AF11-E729CC9D8431}"/>
-              </a:ext>
-            </a:extLst>
-          </p:cNvPr>
-          <p:cNvSpPr>
-            <a:spLocks noGrp="1"/>
-          </p:cNvSpPr>
-          <p:nvPr>
-            <p:ph type="title"/>
-          </p:nvPr>
-        </p:nvSpPr>
-        <p:spPr>
-          <a:xfrm>
-            <a:off x="203200" y="136289"/>
-            <a:ext cx="11800114" cy="792625"/>
-          </a:xfrm>
-        </p:spPr>
-        <p:txBody>
-          <a:bodyPr>
-            <a:normAutofit/>
-          </a:bodyPr>
-          <a:lstStyle/>
-          <a:p>
-            <a:pPr algn="r"/>
-            <a:r>
-              <a:rPr lang="en-CA" sz="3600" dirty="0"/>
-              <a:t>WORKSHEET FOR DATABASE PROJECT DELIVERABLE:</a:t>
-            </a:r>
-          </a:p>
-        </p:txBody>
-      </p:sp>
-      <p:sp>
-        <p:nvSpPr>
-          <p:cNvPr id="3" name="Content Placeholder 2">
-            <a:extLst>
-              <a:ext uri="{FF2B5EF4-FFF2-40B4-BE49-F238E27FC236}">
-                <a16:creationId xmlns:a16="http://schemas.microsoft.com/office/drawing/2014/main" id="{2C76C012-1285-45C3-A302-E24F7A96056B}"/>
-              </a:ext>
-            </a:extLst>
-          </p:cNvPr>
-          <p:cNvSpPr>
-            <a:spLocks noGrp="1"/>
-          </p:cNvSpPr>
-          <p:nvPr>
-            <p:ph idx="1"/>
-          </p:nvPr>
-        </p:nvSpPr>
-        <p:spPr>
-          <a:xfrm>
-            <a:off x="692477" y="1094522"/>
-            <a:ext cx="11310837" cy="2305449"/>
-          </a:xfrm>
-          <a:ln w="38100">
-            <a:solidFill>
-              <a:schemeClr val="accent1">
-                <a:shade val="50000"/>
-                <a:alpha val="94000"/>
-              </a:schemeClr>
-            </a:solidFill>
-          </a:ln>
-        </p:spPr>
-        <p:txBody>
-          <a:bodyPr/>
-          <a:lstStyle/>
-          <a:p>
-            <a:pPr marL="0" indent="0">
-              <a:buNone/>
-            </a:pPr>
-            <a:r>
-              <a:rPr lang="en-CA" b="1" u="sng" dirty="0">
-                <a:solidFill>
-                  <a:srgbClr val="666666"/>
-                </a:solidFill>
-              </a:rPr>
-              <a:t>Write 3 SQL Statements:  ‘REPAIR_DEPARTMENT_ACTIVITIES’</a:t>
-            </a:r>
-          </a:p>
-          <a:p>
-            <a:pPr marL="0" indent="0">
-              <a:buNone/>
-            </a:pPr>
-            <a:r>
-              <a:rPr lang="en-CA" b="1" dirty="0"/>
-              <a:t>Generate a Report on the activities of the Repair Department:  How many bicycles they have repaired, time spent, and revenue generated.</a:t>
-            </a:r>
-          </a:p>
-          <a:p>
-            <a:pPr marL="0" indent="0">
-              <a:buNone/>
-            </a:pPr>
-            <a:endParaRPr lang="en-CA" b="1" dirty="0"/>
-          </a:p>
-          <a:p>
-            <a:pPr marL="0" indent="0">
-              <a:buNone/>
-            </a:pPr>
-            <a:r>
-              <a:rPr lang="en-CA" b="1" dirty="0"/>
-              <a:t>How will you know to report ZERO DOLLARS for repairs done when the bicycle was purchased at our Shop?</a:t>
-            </a:r>
-          </a:p>
-          <a:p>
-            <a:pPr marL="0" indent="0">
-              <a:buNone/>
-            </a:pPr>
-            <a:endParaRPr lang="en-CA" b="1" dirty="0"/>
-          </a:p>
-          <a:p>
-            <a:endParaRPr lang="en-CA" dirty="0"/>
-          </a:p>
-        </p:txBody>
-      </p:sp>
-      <p:sp>
-        <p:nvSpPr>
-          <p:cNvPr id="4" name="TextBox 3">
-            <a:extLst>
-              <a:ext uri="{FF2B5EF4-FFF2-40B4-BE49-F238E27FC236}">
-                <a16:creationId xmlns:a16="http://schemas.microsoft.com/office/drawing/2014/main" id="{0939860D-8535-4208-8340-AD29FFF00049}"/>
-              </a:ext>
-            </a:extLst>
-          </p:cNvPr>
-          <p:cNvSpPr txBox="1"/>
-          <p:nvPr/>
-        </p:nvSpPr>
-        <p:spPr>
-          <a:xfrm>
-            <a:off x="692477" y="3918857"/>
-            <a:ext cx="11310837" cy="954107"/>
-          </a:xfrm>
-          <a:prstGeom prst="rect">
-            <a:avLst/>
-          </a:prstGeom>
-          <a:noFill/>
-        </p:spPr>
-        <p:txBody>
-          <a:bodyPr wrap="square" rtlCol="0">
-            <a:spAutoFit/>
-          </a:bodyPr>
-          <a:lstStyle/>
-          <a:p>
-            <a:r>
-              <a:rPr lang="en-CA" sz="2800" dirty="0">
-                <a:solidFill>
-                  <a:srgbClr val="00B0F0"/>
-                </a:solidFill>
-              </a:rPr>
-              <a:t>WE WILL NEED TO DO THIS AS A LEFT JOIN: COMPLETE THE DETAILS HERE BASED ON YOUR PREVIOUS WORK:</a:t>
-            </a:r>
-          </a:p>
-        </p:txBody>
-      </p:sp>
-    </p:spTree>
-    <p:extLst>
-      <p:ext uri="{BB962C8B-B14F-4D97-AF65-F5344CB8AC3E}">
-        <p14:creationId xmlns:p14="http://schemas.microsoft.com/office/powerpoint/2010/main" val="3094363194"/>
-      </p:ext>
-    </p:extLst>
-  </p:cSld>
-  <p:clrMapOvr>
-    <a:masterClrMapping/>
-  </p:clrMapOvr>
-</p:sld>
-</file>
-
 <file path=ppt/slides/slide23.xml><?xml version="1.0" encoding="utf-8"?>
 <p:sld xmlns:a="http://schemas.openxmlformats.org/drawingml/2006/main" xmlns:r="http://schemas.openxmlformats.org/officeDocument/2006/relationships" xmlns:p="http://schemas.openxmlformats.org/presentationml/2006/main">
   <p:cSld>
@@ -11931,6 +12438,461 @@
       </p:grpSpPr>
       <p:sp>
         <p:nvSpPr>
+          <p:cNvPr id="2" name="Title 1">
+            <a:extLst>
+              <a:ext uri="{FF2B5EF4-FFF2-40B4-BE49-F238E27FC236}">
+                <a16:creationId xmlns:a16="http://schemas.microsoft.com/office/drawing/2014/main" id="{171FA9D9-E9A8-4554-AF11-E729CC9D8431}"/>
+              </a:ext>
+            </a:extLst>
+          </p:cNvPr>
+          <p:cNvSpPr>
+            <a:spLocks noGrp="1"/>
+          </p:cNvSpPr>
+          <p:nvPr>
+            <p:ph type="title"/>
+          </p:nvPr>
+        </p:nvSpPr>
+        <p:spPr>
+          <a:xfrm>
+            <a:off x="696684" y="100003"/>
+            <a:ext cx="10058400" cy="1609344"/>
+          </a:xfrm>
+        </p:spPr>
+        <p:txBody>
+          <a:bodyPr/>
+          <a:lstStyle/>
+          <a:p>
+            <a:r>
+              <a:rPr lang="en-CA" dirty="0"/>
+              <a:t>WORKSHEET FOR DATABASE PROJECT DELIVERABLE:</a:t>
+            </a:r>
+          </a:p>
+        </p:txBody>
+      </p:sp>
+      <p:sp>
+        <p:nvSpPr>
+          <p:cNvPr id="3" name="Content Placeholder 2">
+            <a:extLst>
+              <a:ext uri="{FF2B5EF4-FFF2-40B4-BE49-F238E27FC236}">
+                <a16:creationId xmlns:a16="http://schemas.microsoft.com/office/drawing/2014/main" id="{2C76C012-1285-45C3-A302-E24F7A96056B}"/>
+              </a:ext>
+            </a:extLst>
+          </p:cNvPr>
+          <p:cNvSpPr>
+            <a:spLocks noGrp="1"/>
+          </p:cNvSpPr>
+          <p:nvPr>
+            <p:ph idx="1"/>
+          </p:nvPr>
+        </p:nvSpPr>
+        <p:spPr>
+          <a:xfrm>
+            <a:off x="696684" y="1709347"/>
+            <a:ext cx="10740571" cy="2761053"/>
+          </a:xfrm>
+          <a:solidFill>
+            <a:srgbClr val="002060"/>
+          </a:solidFill>
+        </p:spPr>
+        <p:txBody>
+          <a:bodyPr>
+            <a:normAutofit lnSpcReduction="10000"/>
+          </a:bodyPr>
+          <a:lstStyle/>
+          <a:p>
+            <a:pPr marL="0" indent="0">
+              <a:buNone/>
+            </a:pPr>
+            <a:r>
+              <a:rPr lang="en-CA" sz="3600" b="1" u="sng" dirty="0">
+                <a:solidFill>
+                  <a:srgbClr val="FFFF00"/>
+                </a:solidFill>
+              </a:rPr>
+              <a:t>Write 3 SQL Statements:</a:t>
+            </a:r>
+          </a:p>
+          <a:p>
+            <a:pPr marL="0" indent="0">
+              <a:buNone/>
+            </a:pPr>
+            <a:endParaRPr lang="en-CA" b="1" u="sng" dirty="0">
+              <a:solidFill>
+                <a:schemeClr val="bg1"/>
+              </a:solidFill>
+            </a:endParaRPr>
+          </a:p>
+          <a:p>
+            <a:pPr marL="0" indent="0">
+              <a:buNone/>
+            </a:pPr>
+            <a:r>
+              <a:rPr lang="en-CA" sz="2800" b="1" dirty="0">
+                <a:solidFill>
+                  <a:schemeClr val="bg1"/>
+                </a:solidFill>
+              </a:rPr>
+              <a:t>Generate a Report on all  Bicycles purchased or brought in for repair:</a:t>
+            </a:r>
+          </a:p>
+          <a:p>
+            <a:pPr marL="0" indent="0">
+              <a:buNone/>
+            </a:pPr>
+            <a:r>
+              <a:rPr lang="en-CA" sz="2800" b="1" dirty="0">
+                <a:solidFill>
+                  <a:schemeClr val="bg1"/>
+                </a:solidFill>
+              </a:rPr>
+              <a:t>INCLUDING THE REPAIR DETAILS AND THE CUSTOMER DETAILS.</a:t>
+            </a:r>
+          </a:p>
+          <a:p>
+            <a:pPr marL="0" indent="0">
+              <a:buNone/>
+            </a:pPr>
+            <a:endParaRPr lang="en-CA" b="1" dirty="0"/>
+          </a:p>
+          <a:p>
+            <a:endParaRPr lang="en-CA" dirty="0"/>
+          </a:p>
+        </p:txBody>
+      </p:sp>
+      <p:sp>
+        <p:nvSpPr>
+          <p:cNvPr id="4" name="TextBox 3">
+            <a:extLst>
+              <a:ext uri="{FF2B5EF4-FFF2-40B4-BE49-F238E27FC236}">
+                <a16:creationId xmlns:a16="http://schemas.microsoft.com/office/drawing/2014/main" id="{E04FE7B6-A6A6-4012-9A2D-C7DCC9516341}"/>
+              </a:ext>
+            </a:extLst>
+          </p:cNvPr>
+          <p:cNvSpPr txBox="1"/>
+          <p:nvPr/>
+        </p:nvSpPr>
+        <p:spPr>
+          <a:xfrm>
+            <a:off x="696685" y="4818743"/>
+            <a:ext cx="10740571" cy="1569660"/>
+          </a:xfrm>
+          <a:prstGeom prst="rect">
+            <a:avLst/>
+          </a:prstGeom>
+          <a:solidFill>
+            <a:schemeClr val="accent2">
+              <a:lumMod val="20000"/>
+              <a:lumOff val="80000"/>
+            </a:schemeClr>
+          </a:solidFill>
+        </p:spPr>
+        <p:txBody>
+          <a:bodyPr wrap="square" rtlCol="0">
+            <a:spAutoFit/>
+          </a:bodyPr>
+          <a:lstStyle/>
+          <a:p>
+            <a:r>
+              <a:rPr lang="en-CA" sz="2400" dirty="0"/>
+              <a:t>What 2 things will you need to do to make this happen?</a:t>
+            </a:r>
+          </a:p>
+          <a:p>
+            <a:pPr marL="342900" indent="-342900">
+              <a:buAutoNum type="arabicPeriod"/>
+            </a:pPr>
+            <a:r>
+              <a:rPr lang="en-CA" sz="2400" dirty="0"/>
+              <a:t>Have a BICYCLES Table as the CONTROLLER Table.</a:t>
+            </a:r>
+          </a:p>
+          <a:p>
+            <a:pPr marL="342900" indent="-342900">
+              <a:buAutoNum type="arabicPeriod"/>
+            </a:pPr>
+            <a:r>
+              <a:rPr lang="en-CA" sz="2400" dirty="0"/>
+              <a:t>Do Left Joins on the BICYCLES TABLE to both Purchases and Repairs.</a:t>
+            </a:r>
+          </a:p>
+          <a:p>
+            <a:pPr marL="342900" indent="-342900">
+              <a:buAutoNum type="arabicPeriod"/>
+            </a:pPr>
+            <a:r>
+              <a:rPr lang="en-CA" sz="2400" dirty="0"/>
+              <a:t>This is your Exercise to do for the Assignment.</a:t>
+            </a:r>
+          </a:p>
+        </p:txBody>
+      </p:sp>
+      <p:sp>
+        <p:nvSpPr>
+          <p:cNvPr id="5" name="Rectangle: Rounded Corners 4">
+            <a:extLst>
+              <a:ext uri="{FF2B5EF4-FFF2-40B4-BE49-F238E27FC236}">
+                <a16:creationId xmlns:a16="http://schemas.microsoft.com/office/drawing/2014/main" id="{6C429900-4F35-429C-8F26-5D2CC458F96D}"/>
+              </a:ext>
+            </a:extLst>
+          </p:cNvPr>
+          <p:cNvSpPr/>
+          <p:nvPr/>
+        </p:nvSpPr>
+        <p:spPr>
+          <a:xfrm>
+            <a:off x="406400" y="100003"/>
+            <a:ext cx="145143" cy="6757997"/>
+          </a:xfrm>
+          <a:prstGeom prst="roundRect">
+            <a:avLst/>
+          </a:prstGeom>
+          <a:solidFill>
+            <a:srgbClr val="002060"/>
+          </a:solidFill>
+        </p:spPr>
+        <p:style>
+          <a:lnRef idx="2">
+            <a:schemeClr val="accent1">
+              <a:shade val="50000"/>
+            </a:schemeClr>
+          </a:lnRef>
+          <a:fillRef idx="1">
+            <a:schemeClr val="accent1"/>
+          </a:fillRef>
+          <a:effectRef idx="0">
+            <a:schemeClr val="accent1"/>
+          </a:effectRef>
+          <a:fontRef idx="minor">
+            <a:schemeClr val="lt1"/>
+          </a:fontRef>
+        </p:style>
+        <p:txBody>
+          <a:bodyPr rtlCol="0" anchor="ctr"/>
+          <a:lstStyle/>
+          <a:p>
+            <a:pPr algn="ctr"/>
+            <a:endParaRPr lang="en-CA"/>
+          </a:p>
+        </p:txBody>
+      </p:sp>
+    </p:spTree>
+    <p:extLst>
+      <p:ext uri="{BB962C8B-B14F-4D97-AF65-F5344CB8AC3E}">
+        <p14:creationId xmlns:p14="http://schemas.microsoft.com/office/powerpoint/2010/main" val="3702586207"/>
+      </p:ext>
+    </p:extLst>
+  </p:cSld>
+  <p:clrMapOvr>
+    <a:masterClrMapping/>
+  </p:clrMapOvr>
+</p:sld>
+</file>
+
+<file path=ppt/slides/slide24.xml><?xml version="1.0" encoding="utf-8"?>
+<p:sld xmlns:a="http://schemas.openxmlformats.org/drawingml/2006/main" xmlns:r="http://schemas.openxmlformats.org/officeDocument/2006/relationships" xmlns:p="http://schemas.openxmlformats.org/presentationml/2006/main">
+  <p:cSld>
+    <p:spTree>
+      <p:nvGrpSpPr>
+        <p:cNvPr id="1" name=""/>
+        <p:cNvGrpSpPr/>
+        <p:nvPr/>
+      </p:nvGrpSpPr>
+      <p:grpSpPr>
+        <a:xfrm>
+          <a:off x="0" y="0"/>
+          <a:ext cx="0" cy="0"/>
+          <a:chOff x="0" y="0"/>
+          <a:chExt cx="0" cy="0"/>
+        </a:xfrm>
+      </p:grpSpPr>
+      <p:sp>
+        <p:nvSpPr>
+          <p:cNvPr id="2" name="Title 1">
+            <a:extLst>
+              <a:ext uri="{FF2B5EF4-FFF2-40B4-BE49-F238E27FC236}">
+                <a16:creationId xmlns:a16="http://schemas.microsoft.com/office/drawing/2014/main" id="{171FA9D9-E9A8-4554-AF11-E729CC9D8431}"/>
+              </a:ext>
+            </a:extLst>
+          </p:cNvPr>
+          <p:cNvSpPr>
+            <a:spLocks noGrp="1"/>
+          </p:cNvSpPr>
+          <p:nvPr>
+            <p:ph type="title"/>
+          </p:nvPr>
+        </p:nvSpPr>
+        <p:spPr>
+          <a:xfrm>
+            <a:off x="203200" y="136289"/>
+            <a:ext cx="11800114" cy="792625"/>
+          </a:xfrm>
+        </p:spPr>
+        <p:txBody>
+          <a:bodyPr>
+            <a:normAutofit/>
+          </a:bodyPr>
+          <a:lstStyle/>
+          <a:p>
+            <a:pPr algn="r"/>
+            <a:r>
+              <a:rPr lang="en-CA" sz="3600" dirty="0"/>
+              <a:t>WORKSHEET FOR DATABASE PROJECT DELIVERABLE:</a:t>
+            </a:r>
+          </a:p>
+        </p:txBody>
+      </p:sp>
+      <p:sp>
+        <p:nvSpPr>
+          <p:cNvPr id="3" name="Content Placeholder 2">
+            <a:extLst>
+              <a:ext uri="{FF2B5EF4-FFF2-40B4-BE49-F238E27FC236}">
+                <a16:creationId xmlns:a16="http://schemas.microsoft.com/office/drawing/2014/main" id="{2C76C012-1285-45C3-A302-E24F7A96056B}"/>
+              </a:ext>
+            </a:extLst>
+          </p:cNvPr>
+          <p:cNvSpPr>
+            <a:spLocks noGrp="1"/>
+          </p:cNvSpPr>
+          <p:nvPr>
+            <p:ph idx="1"/>
+          </p:nvPr>
+        </p:nvSpPr>
+        <p:spPr>
+          <a:xfrm>
+            <a:off x="692477" y="1094522"/>
+            <a:ext cx="11310837" cy="2305449"/>
+          </a:xfrm>
+          <a:ln w="38100">
+            <a:solidFill>
+              <a:schemeClr val="accent1">
+                <a:shade val="50000"/>
+                <a:alpha val="94000"/>
+              </a:schemeClr>
+            </a:solidFill>
+          </a:ln>
+        </p:spPr>
+        <p:txBody>
+          <a:bodyPr/>
+          <a:lstStyle/>
+          <a:p>
+            <a:pPr marL="0" indent="0">
+              <a:buNone/>
+            </a:pPr>
+            <a:r>
+              <a:rPr lang="en-CA" b="1" u="sng" dirty="0">
+                <a:solidFill>
+                  <a:srgbClr val="666666"/>
+                </a:solidFill>
+              </a:rPr>
+              <a:t>Write 3 SQL Statements:  ‘REPAIR_DEPARTMENT_ACTIVITIES’</a:t>
+            </a:r>
+          </a:p>
+          <a:p>
+            <a:pPr marL="0" indent="0">
+              <a:buNone/>
+            </a:pPr>
+            <a:r>
+              <a:rPr lang="en-CA" b="1" dirty="0"/>
+              <a:t>Generate a Report on the activities of the Repair Department:  How many bicycles they have repaired, time spent, and revenue generated.</a:t>
+            </a:r>
+          </a:p>
+          <a:p>
+            <a:pPr marL="0" indent="0">
+              <a:buNone/>
+            </a:pPr>
+            <a:endParaRPr lang="en-CA" b="1" dirty="0"/>
+          </a:p>
+          <a:p>
+            <a:pPr marL="0" indent="0">
+              <a:buNone/>
+            </a:pPr>
+            <a:r>
+              <a:rPr lang="en-CA" b="1" dirty="0"/>
+              <a:t>How will you know to report ZERO DOLLARS for repairs done when the bicycle was purchased at our Shop?</a:t>
+            </a:r>
+          </a:p>
+          <a:p>
+            <a:pPr marL="0" indent="0">
+              <a:buNone/>
+            </a:pPr>
+            <a:endParaRPr lang="en-CA" b="1" dirty="0"/>
+          </a:p>
+          <a:p>
+            <a:endParaRPr lang="en-CA" dirty="0"/>
+          </a:p>
+        </p:txBody>
+      </p:sp>
+      <p:sp>
+        <p:nvSpPr>
+          <p:cNvPr id="4" name="TextBox 3">
+            <a:extLst>
+              <a:ext uri="{FF2B5EF4-FFF2-40B4-BE49-F238E27FC236}">
+                <a16:creationId xmlns:a16="http://schemas.microsoft.com/office/drawing/2014/main" id="{0939860D-8535-4208-8340-AD29FFF00049}"/>
+              </a:ext>
+            </a:extLst>
+          </p:cNvPr>
+          <p:cNvSpPr txBox="1"/>
+          <p:nvPr/>
+        </p:nvSpPr>
+        <p:spPr>
+          <a:xfrm>
+            <a:off x="692477" y="3918857"/>
+            <a:ext cx="11310837" cy="954107"/>
+          </a:xfrm>
+          <a:prstGeom prst="rect">
+            <a:avLst/>
+          </a:prstGeom>
+          <a:noFill/>
+        </p:spPr>
+        <p:txBody>
+          <a:bodyPr wrap="square" rtlCol="0">
+            <a:spAutoFit/>
+          </a:bodyPr>
+          <a:lstStyle/>
+          <a:p>
+            <a:r>
+              <a:rPr lang="en-CA" sz="2800" dirty="0">
+                <a:solidFill>
+                  <a:srgbClr val="00B0F0"/>
+                </a:solidFill>
+              </a:rPr>
+              <a:t>WE WILL NEED TO DO THIS AS A LEFT JOIN: COMPLETE THE DETAILS HERE BASED ON YOUR PREVIOUS WORK:</a:t>
+            </a:r>
+          </a:p>
+        </p:txBody>
+      </p:sp>
+    </p:spTree>
+    <p:extLst>
+      <p:ext uri="{BB962C8B-B14F-4D97-AF65-F5344CB8AC3E}">
+        <p14:creationId xmlns:p14="http://schemas.microsoft.com/office/powerpoint/2010/main" val="3094363194"/>
+      </p:ext>
+    </p:extLst>
+  </p:cSld>
+  <p:clrMapOvr>
+    <a:masterClrMapping/>
+  </p:clrMapOvr>
+</p:sld>
+</file>
+
+<file path=ppt/slides/slide25.xml><?xml version="1.0" encoding="utf-8"?>
+<p:sld xmlns:a="http://schemas.openxmlformats.org/drawingml/2006/main" xmlns:r="http://schemas.openxmlformats.org/officeDocument/2006/relationships" xmlns:p="http://schemas.openxmlformats.org/presentationml/2006/main">
+  <p:cSld>
+    <p:spTree>
+      <p:nvGrpSpPr>
+        <p:cNvPr id="1" name=""/>
+        <p:cNvGrpSpPr/>
+        <p:nvPr/>
+      </p:nvGrpSpPr>
+      <p:grpSpPr>
+        <a:xfrm>
+          <a:off x="0" y="0"/>
+          <a:ext cx="0" cy="0"/>
+          <a:chOff x="0" y="0"/>
+          <a:chExt cx="0" cy="0"/>
+        </a:xfrm>
+      </p:grpSpPr>
+      <p:sp>
+        <p:nvSpPr>
           <p:cNvPr id="3" name="Content Placeholder 2">
             <a:extLst>
               <a:ext uri="{FF2B5EF4-FFF2-40B4-BE49-F238E27FC236}">
@@ -12058,7 +13020,7 @@
 </p:sld>
 </file>
 
-<file path=ppt/slides/slide24.xml><?xml version="1.0" encoding="utf-8"?>
+<file path=ppt/slides/slide26.xml><?xml version="1.0" encoding="utf-8"?>
 <p:sld xmlns:a="http://schemas.openxmlformats.org/drawingml/2006/main" xmlns:r="http://schemas.openxmlformats.org/officeDocument/2006/relationships" xmlns:p="http://schemas.openxmlformats.org/presentationml/2006/main">
   <p:cSld>
     <p:bg>
@@ -12262,7 +13224,7 @@
 </p:sld>
 </file>
 
-<file path=ppt/slides/slide25.xml><?xml version="1.0" encoding="utf-8"?>
+<file path=ppt/slides/slide27.xml><?xml version="1.0" encoding="utf-8"?>
 <p:sld xmlns:a="http://schemas.openxmlformats.org/drawingml/2006/main" xmlns:r="http://schemas.openxmlformats.org/officeDocument/2006/relationships" xmlns:p="http://schemas.openxmlformats.org/presentationml/2006/main">
   <p:cSld>
     <p:spTree>
@@ -12371,7 +13333,7 @@
 </p:sld>
 </file>
 
-<file path=ppt/slides/slide26.xml><?xml version="1.0" encoding="utf-8"?>
+<file path=ppt/slides/slide28.xml><?xml version="1.0" encoding="utf-8"?>
 <p:sld xmlns:a="http://schemas.openxmlformats.org/drawingml/2006/main" xmlns:r="http://schemas.openxmlformats.org/officeDocument/2006/relationships" xmlns:p="http://schemas.openxmlformats.org/presentationml/2006/main">
   <p:cSld>
     <p:spTree>
@@ -12560,7 +13522,7 @@
 </p:sld>
 </file>
 
-<file path=ppt/slides/slide27.xml><?xml version="1.0" encoding="utf-8"?>
+<file path=ppt/slides/slide29.xml><?xml version="1.0" encoding="utf-8"?>
 <p:sld xmlns:a="http://schemas.openxmlformats.org/drawingml/2006/main" xmlns:r="http://schemas.openxmlformats.org/officeDocument/2006/relationships" xmlns:p="http://schemas.openxmlformats.org/presentationml/2006/main">
   <p:cSld>
     <p:spTree>
@@ -12595,7 +13557,7 @@
         </p:nvSpPr>
         <p:spPr>
           <a:xfrm>
-            <a:off x="1066800" y="1403604"/>
+            <a:off x="1066800" y="2056747"/>
             <a:ext cx="10058400" cy="4050792"/>
           </a:xfrm>
         </p:spPr>
@@ -12683,6 +13645,71 @@
               <a:t>group by city</a:t>
             </a:r>
             <a:endParaRPr lang="en-CA" dirty="0"/>
+          </a:p>
+        </p:txBody>
+      </p:sp>
+      <p:sp>
+        <p:nvSpPr>
+          <p:cNvPr id="2" name="TextBox 1">
+            <a:extLst>
+              <a:ext uri="{FF2B5EF4-FFF2-40B4-BE49-F238E27FC236}">
+                <a16:creationId xmlns:a16="http://schemas.microsoft.com/office/drawing/2014/main" id="{3D21E24C-9E63-466F-A5A6-73D40B8A2ED8}"/>
+              </a:ext>
+            </a:extLst>
+          </p:cNvPr>
+          <p:cNvSpPr txBox="1"/>
+          <p:nvPr/>
+        </p:nvSpPr>
+        <p:spPr>
+          <a:xfrm>
+            <a:off x="845127" y="290945"/>
+            <a:ext cx="10058400" cy="923330"/>
+          </a:xfrm>
+          <a:prstGeom prst="rect">
+            <a:avLst/>
+          </a:prstGeom>
+          <a:gradFill flip="none" rotWithShape="1">
+            <a:gsLst>
+              <a:gs pos="96000">
+                <a:schemeClr val="accent1">
+                  <a:lumMod val="0"/>
+                  <a:lumOff val="100000"/>
+                </a:schemeClr>
+              </a:gs>
+              <a:gs pos="35000">
+                <a:schemeClr val="accent1">
+                  <a:lumMod val="0"/>
+                  <a:lumOff val="100000"/>
+                </a:schemeClr>
+              </a:gs>
+              <a:gs pos="100000">
+                <a:schemeClr val="accent1">
+                  <a:lumMod val="100000"/>
+                </a:schemeClr>
+              </a:gs>
+            </a:gsLst>
+            <a:path path="circle">
+              <a:fillToRect l="50000" t="-80000" r="50000" b="180000"/>
+            </a:path>
+            <a:tileRect/>
+          </a:gradFill>
+        </p:spPr>
+        <p:txBody>
+          <a:bodyPr wrap="square" rtlCol="0">
+            <a:spAutoFit/>
+          </a:bodyPr>
+          <a:lstStyle/>
+          <a:p>
+            <a:r>
+              <a:rPr lang="en-CA" dirty="0"/>
+              <a:t>We have created a new table called aaa.</a:t>
+            </a:r>
+          </a:p>
+          <a:p>
+            <a:r>
+              <a:rPr lang="en-CA" dirty="0"/>
+              <a:t>We can now do a query on this Table to SUM the repair costs for records for which the Purchase Date is NULL – that is, for bicycles which were not purchased from our store.</a:t>
+            </a:r>
           </a:p>
         </p:txBody>
       </p:sp>
@@ -12699,7 +13726,226 @@
 </p:sld>
 </file>
 
-<file path=ppt/slides/slide28.xml><?xml version="1.0" encoding="utf-8"?>
+<file path=ppt/slides/slide3.xml><?xml version="1.0" encoding="utf-8"?>
+<p:sld xmlns:a="http://schemas.openxmlformats.org/drawingml/2006/main" xmlns:r="http://schemas.openxmlformats.org/officeDocument/2006/relationships" xmlns:p="http://schemas.openxmlformats.org/presentationml/2006/main">
+  <p:cSld>
+    <p:spTree>
+      <p:nvGrpSpPr>
+        <p:cNvPr id="1" name=""/>
+        <p:cNvGrpSpPr/>
+        <p:nvPr/>
+      </p:nvGrpSpPr>
+      <p:grpSpPr>
+        <a:xfrm>
+          <a:off x="0" y="0"/>
+          <a:ext cx="0" cy="0"/>
+          <a:chOff x="0" y="0"/>
+          <a:chExt cx="0" cy="0"/>
+        </a:xfrm>
+      </p:grpSpPr>
+      <p:sp>
+        <p:nvSpPr>
+          <p:cNvPr id="2" name="Title 1">
+            <a:extLst>
+              <a:ext uri="{FF2B5EF4-FFF2-40B4-BE49-F238E27FC236}">
+                <a16:creationId xmlns:a16="http://schemas.microsoft.com/office/drawing/2014/main" id="{493E2E9A-CAF4-4B5F-9FD1-60FB4F36BC9D}"/>
+              </a:ext>
+            </a:extLst>
+          </p:cNvPr>
+          <p:cNvSpPr>
+            <a:spLocks noGrp="1"/>
+          </p:cNvSpPr>
+          <p:nvPr>
+            <p:ph type="title"/>
+          </p:nvPr>
+        </p:nvSpPr>
+        <p:spPr>
+          <a:xfrm>
+            <a:off x="532410" y="0"/>
+            <a:ext cx="11127179" cy="1609344"/>
+          </a:xfrm>
+        </p:spPr>
+        <p:txBody>
+          <a:bodyPr>
+            <a:normAutofit/>
+          </a:bodyPr>
+          <a:lstStyle/>
+          <a:p>
+            <a:r>
+              <a:rPr lang="en-US" b="1" dirty="0">
+                <a:solidFill>
+                  <a:srgbClr val="0070C0"/>
+                </a:solidFill>
+              </a:rPr>
+              <a:t>What is the difference between inner join and intersect?</a:t>
+            </a:r>
+            <a:endParaRPr lang="en-CA" b="1" dirty="0">
+              <a:solidFill>
+                <a:srgbClr val="0070C0"/>
+              </a:solidFill>
+            </a:endParaRPr>
+          </a:p>
+        </p:txBody>
+      </p:sp>
+      <p:sp>
+        <p:nvSpPr>
+          <p:cNvPr id="3" name="Content Placeholder 2">
+            <a:extLst>
+              <a:ext uri="{FF2B5EF4-FFF2-40B4-BE49-F238E27FC236}">
+                <a16:creationId xmlns:a16="http://schemas.microsoft.com/office/drawing/2014/main" id="{43F244A7-A04D-4707-BB2F-7D055AD9FEA7}"/>
+              </a:ext>
+            </a:extLst>
+          </p:cNvPr>
+          <p:cNvSpPr>
+            <a:spLocks noGrp="1"/>
+          </p:cNvSpPr>
+          <p:nvPr>
+            <p:ph idx="1"/>
+          </p:nvPr>
+        </p:nvSpPr>
+        <p:spPr>
+          <a:xfrm>
+            <a:off x="532409" y="1609344"/>
+            <a:ext cx="11127179" cy="4862708"/>
+          </a:xfrm>
+        </p:spPr>
+        <p:txBody>
+          <a:bodyPr>
+            <a:normAutofit fontScale="92500" lnSpcReduction="20000"/>
+          </a:bodyPr>
+          <a:lstStyle/>
+          <a:p>
+            <a:pPr marL="0" indent="0">
+              <a:buNone/>
+            </a:pPr>
+            <a:r>
+              <a:rPr lang="en-US" dirty="0"/>
+              <a:t>They are not the same but you can get the same result.</a:t>
+            </a:r>
+          </a:p>
+          <a:p>
+            <a:pPr marL="0" indent="0">
+              <a:buNone/>
+            </a:pPr>
+            <a:r>
+              <a:rPr lang="en-US" b="1" dirty="0"/>
+              <a:t>Intersect:</a:t>
+            </a:r>
+            <a:endParaRPr lang="en-US" dirty="0"/>
+          </a:p>
+          <a:p>
+            <a:pPr marL="0" indent="0">
+              <a:buNone/>
+            </a:pPr>
+            <a:r>
+              <a:rPr lang="en-US" dirty="0">
+                <a:solidFill>
+                  <a:srgbClr val="0070C0"/>
+                </a:solidFill>
+              </a:rPr>
+              <a:t>Intersect does all columns.</a:t>
+            </a:r>
+          </a:p>
+          <a:p>
+            <a:pPr marL="0" indent="0">
+              <a:buNone/>
+            </a:pPr>
+            <a:r>
+              <a:rPr lang="en-US" dirty="0"/>
+              <a:t>When using INTERSECT operator the number and the order of the columns must be the same in all queries as well data type must be compatible.</a:t>
+            </a:r>
+          </a:p>
+          <a:p>
+            <a:pPr marL="0" indent="0">
+              <a:buNone/>
+            </a:pPr>
+            <a:r>
+              <a:rPr lang="en-US" dirty="0"/>
+              <a:t>Use an intersect operator to returns rows that are in common between two tables; it returns unique rows from both the left and right query.</a:t>
+            </a:r>
+          </a:p>
+          <a:p>
+            <a:pPr marL="0" indent="0">
+              <a:buNone/>
+            </a:pPr>
+            <a:r>
+              <a:rPr lang="en-US" dirty="0"/>
+              <a:t>This query is useful when you want to find results that are in common between two queries.</a:t>
+            </a:r>
+          </a:p>
+          <a:p>
+            <a:pPr marL="0" indent="0">
+              <a:buNone/>
+            </a:pPr>
+            <a:r>
+              <a:rPr lang="en-US" b="1" dirty="0"/>
+              <a:t>Inner Join:</a:t>
+            </a:r>
+            <a:endParaRPr lang="en-US" dirty="0"/>
+          </a:p>
+          <a:p>
+            <a:pPr marL="0" indent="0">
+              <a:buNone/>
+            </a:pPr>
+            <a:r>
+              <a:rPr lang="en-US" b="1" dirty="0">
+                <a:solidFill>
+                  <a:srgbClr val="C00000"/>
+                </a:solidFill>
+              </a:rPr>
+              <a:t>Inner join only the specified columns.</a:t>
+            </a:r>
+          </a:p>
+          <a:p>
+            <a:pPr marL="0" indent="0">
+              <a:buNone/>
+            </a:pPr>
+            <a:r>
+              <a:rPr lang="en-US" b="1" dirty="0">
+                <a:solidFill>
+                  <a:srgbClr val="C00000"/>
+                </a:solidFill>
+              </a:rPr>
+              <a:t>An INNER JOIN is a JOIN operation that allows you to specify an explicit join clause.</a:t>
+            </a:r>
+          </a:p>
+          <a:p>
+            <a:pPr marL="0" indent="0">
+              <a:buNone/>
+            </a:pPr>
+            <a:r>
+              <a:rPr lang="en-US" dirty="0"/>
+              <a:t>An inner join attempts to match up the two tables based on the criteria you specify in the query, and only returns the rows that match.</a:t>
+            </a:r>
+          </a:p>
+          <a:p>
+            <a:pPr marL="0" indent="0">
+              <a:buNone/>
+            </a:pPr>
+            <a:r>
+              <a:rPr lang="en-US" dirty="0"/>
+              <a:t>If a row from the first table in the join matches two rows in the second table, then two rows will be returned in the results.</a:t>
+            </a:r>
+          </a:p>
+          <a:p>
+            <a:endParaRPr lang="en-CA" dirty="0"/>
+          </a:p>
+        </p:txBody>
+      </p:sp>
+    </p:spTree>
+    <p:extLst>
+      <p:ext uri="{BB962C8B-B14F-4D97-AF65-F5344CB8AC3E}">
+        <p14:creationId xmlns:p14="http://schemas.microsoft.com/office/powerpoint/2010/main" val="3216457550"/>
+      </p:ext>
+    </p:extLst>
+  </p:cSld>
+  <p:clrMapOvr>
+    <a:masterClrMapping/>
+  </p:clrMapOvr>
+</p:sld>
+</file>
+
+<file path=ppt/slides/slide30.xml><?xml version="1.0" encoding="utf-8"?>
 <p:sld xmlns:a="http://schemas.openxmlformats.org/drawingml/2006/main" xmlns:r="http://schemas.openxmlformats.org/officeDocument/2006/relationships" xmlns:p="http://schemas.openxmlformats.org/presentationml/2006/main">
   <p:cSld>
     <p:spTree>
@@ -12978,7 +14224,641 @@
 </p:sld>
 </file>
 
-<file path=ppt/slides/slide3.xml><?xml version="1.0" encoding="utf-8"?>
+<file path=ppt/slides/slide31.xml><?xml version="1.0" encoding="utf-8"?>
+<p:sld xmlns:a="http://schemas.openxmlformats.org/drawingml/2006/main" xmlns:r="http://schemas.openxmlformats.org/officeDocument/2006/relationships" xmlns:p="http://schemas.openxmlformats.org/presentationml/2006/main">
+  <p:cSld>
+    <p:spTree>
+      <p:nvGrpSpPr>
+        <p:cNvPr id="1" name=""/>
+        <p:cNvGrpSpPr/>
+        <p:nvPr/>
+      </p:nvGrpSpPr>
+      <p:grpSpPr>
+        <a:xfrm>
+          <a:off x="0" y="0"/>
+          <a:ext cx="0" cy="0"/>
+          <a:chOff x="0" y="0"/>
+          <a:chExt cx="0" cy="0"/>
+        </a:xfrm>
+      </p:grpSpPr>
+      <p:sp>
+        <p:nvSpPr>
+          <p:cNvPr id="4" name="Rectangle 3">
+            <a:extLst>
+              <a:ext uri="{FF2B5EF4-FFF2-40B4-BE49-F238E27FC236}">
+                <a16:creationId xmlns:a16="http://schemas.microsoft.com/office/drawing/2014/main" id="{7E9B3A8E-C9AC-4B20-8024-B42E371B0A08}"/>
+              </a:ext>
+            </a:extLst>
+          </p:cNvPr>
+          <p:cNvSpPr/>
+          <p:nvPr/>
+        </p:nvSpPr>
+        <p:spPr>
+          <a:xfrm>
+            <a:off x="493485" y="304801"/>
+            <a:ext cx="11219543" cy="3631763"/>
+          </a:xfrm>
+          <a:prstGeom prst="rect">
+            <a:avLst/>
+          </a:prstGeom>
+        </p:spPr>
+        <p:txBody>
+          <a:bodyPr wrap="square">
+            <a:spAutoFit/>
+          </a:bodyPr>
+          <a:lstStyle/>
+          <a:p>
+            <a:r>
+              <a:rPr lang="en-CA" sz="4400" b="1" u="sng" dirty="0">
+                <a:solidFill>
+                  <a:srgbClr val="666666"/>
+                </a:solidFill>
+              </a:rPr>
+              <a:t>Write 3 SQL Statements:</a:t>
+            </a:r>
+          </a:p>
+          <a:p>
+            <a:endParaRPr lang="en-CA" sz="1000" b="1" dirty="0"/>
+          </a:p>
+          <a:p>
+            <a:r>
+              <a:rPr lang="en-CA" sz="4400" b="1" dirty="0"/>
+              <a:t>Generate a Report on the activities of the Repair Department:  How many bicycles they have repaired, time spent, and revenue generated</a:t>
+            </a:r>
+          </a:p>
+        </p:txBody>
+      </p:sp>
+      <p:sp>
+        <p:nvSpPr>
+          <p:cNvPr id="5" name="TextBox 4">
+            <a:extLst>
+              <a:ext uri="{FF2B5EF4-FFF2-40B4-BE49-F238E27FC236}">
+                <a16:creationId xmlns:a16="http://schemas.microsoft.com/office/drawing/2014/main" id="{10399440-211A-4EF9-8DBF-B1DF641B6E12}"/>
+              </a:ext>
+            </a:extLst>
+          </p:cNvPr>
+          <p:cNvSpPr txBox="1"/>
+          <p:nvPr/>
+        </p:nvSpPr>
+        <p:spPr>
+          <a:xfrm>
+            <a:off x="493485" y="4343670"/>
+            <a:ext cx="10392229" cy="2062103"/>
+          </a:xfrm>
+          <a:prstGeom prst="rect">
+            <a:avLst/>
+          </a:prstGeom>
+          <a:noFill/>
+        </p:spPr>
+        <p:txBody>
+          <a:bodyPr wrap="square" rtlCol="0">
+            <a:spAutoFit/>
+          </a:bodyPr>
+          <a:lstStyle/>
+          <a:p>
+            <a:r>
+              <a:rPr lang="en-CA" sz="3200" b="1" u="sng" dirty="0">
+                <a:solidFill>
+                  <a:schemeClr val="accent2">
+                    <a:lumMod val="50000"/>
+                  </a:schemeClr>
+                </a:solidFill>
+              </a:rPr>
+              <a:t>Two approaches are available:</a:t>
+            </a:r>
+          </a:p>
+          <a:p>
+            <a:pPr marL="342900" indent="-342900">
+              <a:buAutoNum type="arabicPeriod"/>
+            </a:pPr>
+            <a:r>
+              <a:rPr lang="en-CA" sz="3200" b="1" dirty="0">
+                <a:solidFill>
+                  <a:srgbClr val="C00000"/>
+                </a:solidFill>
+              </a:rPr>
+              <a:t>Create an Intermediate Results Table and do further processing on it.</a:t>
+            </a:r>
+          </a:p>
+          <a:p>
+            <a:pPr marL="342900" indent="-342900">
+              <a:buAutoNum type="arabicPeriod"/>
+            </a:pPr>
+            <a:r>
+              <a:rPr lang="en-CA" sz="3200" b="1" dirty="0">
+                <a:solidFill>
+                  <a:srgbClr val="C00000"/>
+                </a:solidFill>
+              </a:rPr>
+              <a:t>Do a Correlated Sub Query.</a:t>
+            </a:r>
+          </a:p>
+        </p:txBody>
+      </p:sp>
+      <p:sp>
+        <p:nvSpPr>
+          <p:cNvPr id="6" name="Rectangle: Rounded Corners 5">
+            <a:extLst>
+              <a:ext uri="{FF2B5EF4-FFF2-40B4-BE49-F238E27FC236}">
+                <a16:creationId xmlns:a16="http://schemas.microsoft.com/office/drawing/2014/main" id="{B5CBECF3-747C-4679-AF11-4DEF6CDF6E07}"/>
+              </a:ext>
+            </a:extLst>
+          </p:cNvPr>
+          <p:cNvSpPr/>
+          <p:nvPr/>
+        </p:nvSpPr>
+        <p:spPr>
+          <a:xfrm>
+            <a:off x="319314" y="0"/>
+            <a:ext cx="45719" cy="6858000"/>
+          </a:xfrm>
+          <a:prstGeom prst="roundRect">
+            <a:avLst/>
+          </a:prstGeom>
+        </p:spPr>
+        <p:style>
+          <a:lnRef idx="2">
+            <a:schemeClr val="accent1">
+              <a:shade val="50000"/>
+            </a:schemeClr>
+          </a:lnRef>
+          <a:fillRef idx="1">
+            <a:schemeClr val="accent1"/>
+          </a:fillRef>
+          <a:effectRef idx="0">
+            <a:schemeClr val="accent1"/>
+          </a:effectRef>
+          <a:fontRef idx="minor">
+            <a:schemeClr val="lt1"/>
+          </a:fontRef>
+        </p:style>
+        <p:txBody>
+          <a:bodyPr rtlCol="0" anchor="ctr"/>
+          <a:lstStyle/>
+          <a:p>
+            <a:pPr algn="ctr"/>
+            <a:endParaRPr lang="en-CA"/>
+          </a:p>
+        </p:txBody>
+      </p:sp>
+      <p:sp>
+        <p:nvSpPr>
+          <p:cNvPr id="7" name="Rectangle: Rounded Corners 6">
+            <a:extLst>
+              <a:ext uri="{FF2B5EF4-FFF2-40B4-BE49-F238E27FC236}">
+                <a16:creationId xmlns:a16="http://schemas.microsoft.com/office/drawing/2014/main" id="{40984987-91DA-4272-9B21-5F5D432C889C}"/>
+              </a:ext>
+            </a:extLst>
+          </p:cNvPr>
+          <p:cNvSpPr/>
+          <p:nvPr/>
+        </p:nvSpPr>
+        <p:spPr>
+          <a:xfrm>
+            <a:off x="367573" y="4071538"/>
+            <a:ext cx="11456853" cy="45719"/>
+          </a:xfrm>
+          <a:prstGeom prst="roundRect">
+            <a:avLst/>
+          </a:prstGeom>
+        </p:spPr>
+        <p:style>
+          <a:lnRef idx="2">
+            <a:schemeClr val="accent1">
+              <a:shade val="50000"/>
+            </a:schemeClr>
+          </a:lnRef>
+          <a:fillRef idx="1">
+            <a:schemeClr val="accent1"/>
+          </a:fillRef>
+          <a:effectRef idx="0">
+            <a:schemeClr val="accent1"/>
+          </a:effectRef>
+          <a:fontRef idx="minor">
+            <a:schemeClr val="lt1"/>
+          </a:fontRef>
+        </p:style>
+        <p:txBody>
+          <a:bodyPr rtlCol="0" anchor="ctr"/>
+          <a:lstStyle/>
+          <a:p>
+            <a:pPr algn="ctr"/>
+            <a:endParaRPr lang="en-CA"/>
+          </a:p>
+        </p:txBody>
+      </p:sp>
+    </p:spTree>
+    <p:extLst>
+      <p:ext uri="{BB962C8B-B14F-4D97-AF65-F5344CB8AC3E}">
+        <p14:creationId xmlns:p14="http://schemas.microsoft.com/office/powerpoint/2010/main" val="393143868"/>
+      </p:ext>
+    </p:extLst>
+  </p:cSld>
+  <p:clrMapOvr>
+    <a:masterClrMapping/>
+  </p:clrMapOvr>
+</p:sld>
+</file>
+
+<file path=ppt/slides/slide32.xml><?xml version="1.0" encoding="utf-8"?>
+<p:sld xmlns:a="http://schemas.openxmlformats.org/drawingml/2006/main" xmlns:r="http://schemas.openxmlformats.org/officeDocument/2006/relationships" xmlns:p="http://schemas.openxmlformats.org/presentationml/2006/main">
+  <p:cSld>
+    <p:spTree>
+      <p:nvGrpSpPr>
+        <p:cNvPr id="1" name=""/>
+        <p:cNvGrpSpPr/>
+        <p:nvPr/>
+      </p:nvGrpSpPr>
+      <p:grpSpPr>
+        <a:xfrm>
+          <a:off x="0" y="0"/>
+          <a:ext cx="0" cy="0"/>
+          <a:chOff x="0" y="0"/>
+          <a:chExt cx="0" cy="0"/>
+        </a:xfrm>
+      </p:grpSpPr>
+      <p:sp>
+        <p:nvSpPr>
+          <p:cNvPr id="2" name="Title 1">
+            <a:extLst>
+              <a:ext uri="{FF2B5EF4-FFF2-40B4-BE49-F238E27FC236}">
+                <a16:creationId xmlns:a16="http://schemas.microsoft.com/office/drawing/2014/main" id="{24DC9421-BB9A-41F9-BD9B-F6300A4941B7}"/>
+              </a:ext>
+            </a:extLst>
+          </p:cNvPr>
+          <p:cNvSpPr>
+            <a:spLocks noGrp="1"/>
+          </p:cNvSpPr>
+          <p:nvPr>
+            <p:ph type="title"/>
+          </p:nvPr>
+        </p:nvSpPr>
+        <p:spPr>
+          <a:xfrm>
+            <a:off x="1066799" y="319754"/>
+            <a:ext cx="10058400" cy="1101281"/>
+          </a:xfrm>
+        </p:spPr>
+        <p:txBody>
+          <a:bodyPr/>
+          <a:lstStyle/>
+          <a:p>
+            <a:r>
+              <a:rPr lang="en-CA" dirty="0"/>
+              <a:t>See my sample access code on </a:t>
+            </a:r>
+            <a:r>
+              <a:rPr lang="en-CA" dirty="0" err="1"/>
+              <a:t>github</a:t>
+            </a:r>
+            <a:r>
+              <a:rPr lang="en-CA" dirty="0"/>
+              <a:t>:</a:t>
+            </a:r>
+          </a:p>
+        </p:txBody>
+      </p:sp>
+      <p:sp>
+        <p:nvSpPr>
+          <p:cNvPr id="3" name="Content Placeholder 2">
+            <a:extLst>
+              <a:ext uri="{FF2B5EF4-FFF2-40B4-BE49-F238E27FC236}">
+                <a16:creationId xmlns:a16="http://schemas.microsoft.com/office/drawing/2014/main" id="{9432BEAA-6D5D-45D4-89A7-0813F3040F8F}"/>
+              </a:ext>
+            </a:extLst>
+          </p:cNvPr>
+          <p:cNvSpPr>
+            <a:spLocks noGrp="1"/>
+          </p:cNvSpPr>
+          <p:nvPr>
+            <p:ph idx="1"/>
+          </p:nvPr>
+        </p:nvSpPr>
+        <p:spPr>
+          <a:xfrm>
+            <a:off x="423861" y="1350168"/>
+            <a:ext cx="11344275" cy="878967"/>
+          </a:xfrm>
+        </p:spPr>
+        <p:txBody>
+          <a:bodyPr>
+            <a:normAutofit/>
+          </a:bodyPr>
+          <a:lstStyle/>
+          <a:p>
+            <a:pPr marL="0" indent="0">
+              <a:buNone/>
+            </a:pPr>
+            <a:r>
+              <a:rPr lang="en-CA" sz="3600" dirty="0">
+                <a:hlinkClick r:id="rId2"/>
+              </a:rPr>
+              <a:t>https://github.com/PeterSigurdson/MSAccessAssets</a:t>
+            </a:r>
+            <a:endParaRPr lang="en-CA" sz="3600" dirty="0"/>
+          </a:p>
+        </p:txBody>
+      </p:sp>
+      <p:sp>
+        <p:nvSpPr>
+          <p:cNvPr id="4" name="Rectangle 3">
+            <a:extLst>
+              <a:ext uri="{FF2B5EF4-FFF2-40B4-BE49-F238E27FC236}">
+                <a16:creationId xmlns:a16="http://schemas.microsoft.com/office/drawing/2014/main" id="{CE2A19E3-DD64-4F5C-993A-F9B48649FD42}"/>
+              </a:ext>
+            </a:extLst>
+          </p:cNvPr>
+          <p:cNvSpPr/>
+          <p:nvPr/>
+        </p:nvSpPr>
+        <p:spPr>
+          <a:xfrm>
+            <a:off x="259554" y="2064257"/>
+            <a:ext cx="11672888" cy="329756"/>
+          </a:xfrm>
+          <a:prstGeom prst="rect">
+            <a:avLst/>
+          </a:prstGeom>
+        </p:spPr>
+        <p:style>
+          <a:lnRef idx="2">
+            <a:schemeClr val="accent1">
+              <a:shade val="50000"/>
+            </a:schemeClr>
+          </a:lnRef>
+          <a:fillRef idx="1">
+            <a:schemeClr val="accent1"/>
+          </a:fillRef>
+          <a:effectRef idx="0">
+            <a:schemeClr val="accent1"/>
+          </a:effectRef>
+          <a:fontRef idx="minor">
+            <a:schemeClr val="lt1"/>
+          </a:fontRef>
+        </p:style>
+        <p:txBody>
+          <a:bodyPr rtlCol="0" anchor="ctr"/>
+          <a:lstStyle/>
+          <a:p>
+            <a:pPr algn="ctr"/>
+            <a:endParaRPr lang="en-CA"/>
+          </a:p>
+        </p:txBody>
+      </p:sp>
+      <p:sp>
+        <p:nvSpPr>
+          <p:cNvPr id="5" name="Title 1">
+            <a:extLst>
+              <a:ext uri="{FF2B5EF4-FFF2-40B4-BE49-F238E27FC236}">
+                <a16:creationId xmlns:a16="http://schemas.microsoft.com/office/drawing/2014/main" id="{91768DC7-C5CA-40A1-8246-8AB849DB65BE}"/>
+              </a:ext>
+            </a:extLst>
+          </p:cNvPr>
+          <p:cNvSpPr txBox="1">
+            <a:spLocks/>
+          </p:cNvSpPr>
+          <p:nvPr/>
+        </p:nvSpPr>
+        <p:spPr>
+          <a:xfrm>
+            <a:off x="423861" y="2584893"/>
+            <a:ext cx="10058400" cy="2022538"/>
+          </a:xfrm>
+          <a:prstGeom prst="rect">
+            <a:avLst/>
+          </a:prstGeom>
+        </p:spPr>
+        <p:txBody>
+          <a:bodyPr vert="horz" lIns="91440" tIns="45720" rIns="91440" bIns="45720" rtlCol="0" anchor="ctr">
+            <a:normAutofit fontScale="92500" lnSpcReduction="10000"/>
+          </a:bodyPr>
+          <a:lstStyle>
+            <a:lvl1pPr algn="l" defTabSz="914400" rtl="0" eaLnBrk="1" latinLnBrk="0" hangingPunct="1">
+              <a:lnSpc>
+                <a:spcPct val="90000"/>
+              </a:lnSpc>
+              <a:spcBef>
+                <a:spcPct val="0"/>
+              </a:spcBef>
+              <a:buNone/>
+              <a:defRPr sz="5400" kern="1200" cap="all" baseline="0">
+                <a:blipFill>
+                  <a:blip r:embed="rId3">
+                    <a:extLst>
+                      <a:ext uri="{28A0092B-C50C-407E-A947-70E740481C1C}">
+                        <a14:useLocalDpi xmlns:a14="http://schemas.microsoft.com/office/drawing/2010/main" val="0"/>
+                      </a:ext>
+                    </a:extLst>
+                  </a:blip>
+                  <a:tile tx="6350" ty="-127000" sx="65000" sy="64000" flip="none" algn="tl"/>
+                </a:blipFill>
+                <a:latin typeface="+mj-lt"/>
+                <a:ea typeface="+mj-ea"/>
+                <a:cs typeface="+mj-cs"/>
+              </a:defRPr>
+            </a:lvl1pPr>
+          </a:lstStyle>
+          <a:p>
+            <a:r>
+              <a:rPr lang="en-CA" dirty="0"/>
+              <a:t>USE SUBLIME TEXT EDITOR:</a:t>
+            </a:r>
+          </a:p>
+          <a:p>
+            <a:endParaRPr lang="en-CA" dirty="0"/>
+          </a:p>
+          <a:p>
+            <a:r>
+              <a:rPr lang="en-CA" dirty="0"/>
+              <a:t>(it gives you </a:t>
+            </a:r>
+            <a:r>
+              <a:rPr lang="en-CA" dirty="0" err="1"/>
+              <a:t>sql</a:t>
+            </a:r>
+            <a:r>
+              <a:rPr lang="en-CA" dirty="0"/>
+              <a:t> syntax color coding!)</a:t>
+            </a:r>
+          </a:p>
+        </p:txBody>
+      </p:sp>
+      <p:sp>
+        <p:nvSpPr>
+          <p:cNvPr id="6" name="Rectangle 5">
+            <a:extLst>
+              <a:ext uri="{FF2B5EF4-FFF2-40B4-BE49-F238E27FC236}">
+                <a16:creationId xmlns:a16="http://schemas.microsoft.com/office/drawing/2014/main" id="{A1A595D9-8826-4CD9-BC24-FA7E7BEC41AC}"/>
+              </a:ext>
+            </a:extLst>
+          </p:cNvPr>
+          <p:cNvSpPr/>
+          <p:nvPr/>
+        </p:nvSpPr>
+        <p:spPr>
+          <a:xfrm>
+            <a:off x="504563" y="4810309"/>
+            <a:ext cx="11182870" cy="923330"/>
+          </a:xfrm>
+          <a:prstGeom prst="rect">
+            <a:avLst/>
+          </a:prstGeom>
+        </p:spPr>
+        <p:txBody>
+          <a:bodyPr wrap="none">
+            <a:spAutoFit/>
+          </a:bodyPr>
+          <a:lstStyle/>
+          <a:p>
+            <a:r>
+              <a:rPr lang="en-CA" sz="5400" b="1" dirty="0">
+                <a:solidFill>
+                  <a:srgbClr val="262626"/>
+                </a:solidFill>
+              </a:rPr>
+              <a:t>https://www.sublimetext.com/3</a:t>
+            </a:r>
+          </a:p>
+        </p:txBody>
+      </p:sp>
+    </p:spTree>
+    <p:extLst>
+      <p:ext uri="{BB962C8B-B14F-4D97-AF65-F5344CB8AC3E}">
+        <p14:creationId xmlns:p14="http://schemas.microsoft.com/office/powerpoint/2010/main" val="111856216"/>
+      </p:ext>
+    </p:extLst>
+  </p:cSld>
+  <p:clrMapOvr>
+    <a:masterClrMapping/>
+  </p:clrMapOvr>
+</p:sld>
+</file>
+
+<file path=ppt/slides/slide4.xml><?xml version="1.0" encoding="utf-8"?>
+<p:sld xmlns:a="http://schemas.openxmlformats.org/drawingml/2006/main" xmlns:r="http://schemas.openxmlformats.org/officeDocument/2006/relationships" xmlns:p="http://schemas.openxmlformats.org/presentationml/2006/main">
+  <p:cSld>
+    <p:spTree>
+      <p:nvGrpSpPr>
+        <p:cNvPr id="1" name=""/>
+        <p:cNvGrpSpPr/>
+        <p:nvPr/>
+      </p:nvGrpSpPr>
+      <p:grpSpPr>
+        <a:xfrm>
+          <a:off x="0" y="0"/>
+          <a:ext cx="0" cy="0"/>
+          <a:chOff x="0" y="0"/>
+          <a:chExt cx="0" cy="0"/>
+        </a:xfrm>
+      </p:grpSpPr>
+      <p:pic>
+        <p:nvPicPr>
+          <p:cNvPr id="4" name="Picture 3">
+            <a:extLst>
+              <a:ext uri="{FF2B5EF4-FFF2-40B4-BE49-F238E27FC236}">
+                <a16:creationId xmlns:a16="http://schemas.microsoft.com/office/drawing/2014/main" id="{C8523E54-D250-43FB-9B44-2F34DF3B2113}"/>
+              </a:ext>
+            </a:extLst>
+          </p:cNvPr>
+          <p:cNvPicPr>
+            <a:picLocks noChangeAspect="1"/>
+          </p:cNvPicPr>
+          <p:nvPr/>
+        </p:nvPicPr>
+        <p:blipFill>
+          <a:blip r:embed="rId2"/>
+          <a:stretch>
+            <a:fillRect/>
+          </a:stretch>
+        </p:blipFill>
+        <p:spPr>
+          <a:xfrm>
+            <a:off x="660000" y="1108606"/>
+            <a:ext cx="9500000" cy="5519366"/>
+          </a:xfrm>
+          <a:prstGeom prst="rect">
+            <a:avLst/>
+          </a:prstGeom>
+        </p:spPr>
+      </p:pic>
+      <p:sp>
+        <p:nvSpPr>
+          <p:cNvPr id="5" name="Rectangle 4">
+            <a:extLst>
+              <a:ext uri="{FF2B5EF4-FFF2-40B4-BE49-F238E27FC236}">
+                <a16:creationId xmlns:a16="http://schemas.microsoft.com/office/drawing/2014/main" id="{1C7FC801-C525-4E51-BF4E-ADC975FD3A1F}"/>
+              </a:ext>
+            </a:extLst>
+          </p:cNvPr>
+          <p:cNvSpPr/>
+          <p:nvPr/>
+        </p:nvSpPr>
+        <p:spPr>
+          <a:xfrm>
+            <a:off x="659999" y="230028"/>
+            <a:ext cx="11096571" cy="646331"/>
+          </a:xfrm>
+          <a:prstGeom prst="rect">
+            <a:avLst/>
+          </a:prstGeom>
+        </p:spPr>
+        <p:txBody>
+          <a:bodyPr wrap="square">
+            <a:spAutoFit/>
+          </a:bodyPr>
+          <a:lstStyle/>
+          <a:p>
+            <a:pPr marL="0" marR="0" lvl="0" indent="0" algn="l" defTabSz="914400" rtl="0" eaLnBrk="1" fontAlgn="auto" latinLnBrk="0" hangingPunct="1">
+              <a:lnSpc>
+                <a:spcPct val="100000"/>
+              </a:lnSpc>
+              <a:spcBef>
+                <a:spcPts val="0"/>
+              </a:spcBef>
+              <a:spcAft>
+                <a:spcPts val="0"/>
+              </a:spcAft>
+              <a:buClrTx/>
+              <a:buSzTx/>
+              <a:buFontTx/>
+              <a:buNone/>
+              <a:tabLst/>
+              <a:defRPr/>
+            </a:pPr>
+            <a:r>
+              <a:rPr kumimoji="0" lang="en-CA" sz="1800" b="0" i="0" u="none" strike="noStrike" kern="1200" cap="none" spc="0" normalizeH="0" baseline="0" noProof="0" dirty="0">
+                <a:ln>
+                  <a:noFill/>
+                </a:ln>
+                <a:solidFill>
+                  <a:prstClr val="black"/>
+                </a:solidFill>
+                <a:effectLst/>
+                <a:uLnTx/>
+                <a:uFillTx/>
+                <a:latin typeface="Calibri" panose="020F0502020204030204"/>
+                <a:ea typeface="+mn-ea"/>
+                <a:cs typeface="+mn-cs"/>
+              </a:rPr>
+              <a:t>https://support.office.com/en-us/article/access-sql-basic-concepts-vocabulary-and-syntax-444d0303-cde1-424e-9a74-e8dc3e460671</a:t>
+            </a:r>
+          </a:p>
+        </p:txBody>
+      </p:sp>
+    </p:spTree>
+    <p:extLst>
+      <p:ext uri="{BB962C8B-B14F-4D97-AF65-F5344CB8AC3E}">
+        <p14:creationId xmlns:p14="http://schemas.microsoft.com/office/powerpoint/2010/main" val="970041683"/>
+      </p:ext>
+    </p:extLst>
+  </p:cSld>
+  <p:clrMapOvr>
+    <a:masterClrMapping/>
+  </p:clrMapOvr>
+</p:sld>
+</file>
+
+<file path=ppt/slides/slide5.xml><?xml version="1.0" encoding="utf-8"?>
 <p:sld xmlns:a="http://schemas.openxmlformats.org/drawingml/2006/main" xmlns:r="http://schemas.openxmlformats.org/officeDocument/2006/relationships" xmlns:p="http://schemas.openxmlformats.org/presentationml/2006/main">
   <p:cSld>
     <p:spTree>
@@ -13038,7 +14918,7 @@
 </p:sld>
 </file>
 
-<file path=ppt/slides/slide4.xml><?xml version="1.0" encoding="utf-8"?>
+<file path=ppt/slides/slide6.xml><?xml version="1.0" encoding="utf-8"?>
 <p:sld xmlns:a="http://schemas.openxmlformats.org/drawingml/2006/main" xmlns:r="http://schemas.openxmlformats.org/officeDocument/2006/relationships" xmlns:p="http://schemas.openxmlformats.org/presentationml/2006/main">
   <p:cSld>
     <p:spTree>
@@ -13195,7 +15075,7 @@
 </p:sld>
 </file>
 
-<file path=ppt/slides/slide5.xml><?xml version="1.0" encoding="utf-8"?>
+<file path=ppt/slides/slide7.xml><?xml version="1.0" encoding="utf-8"?>
 <p:sld xmlns:a="http://schemas.openxmlformats.org/drawingml/2006/main" xmlns:r="http://schemas.openxmlformats.org/officeDocument/2006/relationships" xmlns:p="http://schemas.openxmlformats.org/presentationml/2006/main">
   <p:cSld>
     <p:spTree>
@@ -13389,7 +15269,7 @@
 </p:sld>
 </file>
 
-<file path=ppt/slides/slide6.xml><?xml version="1.0" encoding="utf-8"?>
+<file path=ppt/slides/slide8.xml><?xml version="1.0" encoding="utf-8"?>
 <p:sld xmlns:a="http://schemas.openxmlformats.org/drawingml/2006/main" xmlns:r="http://schemas.openxmlformats.org/officeDocument/2006/relationships" xmlns:p="http://schemas.openxmlformats.org/presentationml/2006/main">
   <p:cSld>
     <p:spTree>
@@ -13516,253 +15396,6 @@
 </p:sld>
 </file>
 
-<file path=ppt/slides/slide7.xml><?xml version="1.0" encoding="utf-8"?>
-<p:sld xmlns:a="http://schemas.openxmlformats.org/drawingml/2006/main" xmlns:r="http://schemas.openxmlformats.org/officeDocument/2006/relationships" xmlns:p="http://schemas.openxmlformats.org/presentationml/2006/main">
-  <p:cSld>
-    <p:spTree>
-      <p:nvGrpSpPr>
-        <p:cNvPr id="1" name=""/>
-        <p:cNvGrpSpPr/>
-        <p:nvPr/>
-      </p:nvGrpSpPr>
-      <p:grpSpPr>
-        <a:xfrm>
-          <a:off x="0" y="0"/>
-          <a:ext cx="0" cy="0"/>
-          <a:chOff x="0" y="0"/>
-          <a:chExt cx="0" cy="0"/>
-        </a:xfrm>
-      </p:grpSpPr>
-      <p:sp>
-        <p:nvSpPr>
-          <p:cNvPr id="2" name="Title 1">
-            <a:extLst>
-              <a:ext uri="{FF2B5EF4-FFF2-40B4-BE49-F238E27FC236}">
-                <a16:creationId xmlns:a16="http://schemas.microsoft.com/office/drawing/2014/main" id="{F4D3979A-2DBE-4F8A-8123-4E70180AAC2F}"/>
-              </a:ext>
-            </a:extLst>
-          </p:cNvPr>
-          <p:cNvSpPr>
-            <a:spLocks noGrp="1"/>
-          </p:cNvSpPr>
-          <p:nvPr>
-            <p:ph type="ctrTitle"/>
-          </p:nvPr>
-        </p:nvSpPr>
-        <p:spPr/>
-        <p:txBody>
-          <a:bodyPr/>
-          <a:lstStyle/>
-          <a:p>
-            <a:pPr algn="r"/>
-            <a:r>
-              <a:rPr lang="en-CA" sz="8800" dirty="0"/>
-              <a:t>Developing the bicycle shop database</a:t>
-            </a:r>
-          </a:p>
-        </p:txBody>
-      </p:sp>
-    </p:spTree>
-    <p:extLst>
-      <p:ext uri="{BB962C8B-B14F-4D97-AF65-F5344CB8AC3E}">
-        <p14:creationId xmlns:p14="http://schemas.microsoft.com/office/powerpoint/2010/main" val="800955733"/>
-      </p:ext>
-    </p:extLst>
-  </p:cSld>
-  <p:clrMapOvr>
-    <a:masterClrMapping/>
-  </p:clrMapOvr>
-  <mc:AlternateContent xmlns:mc="http://schemas.openxmlformats.org/markup-compatibility/2006" xmlns:p14="http://schemas.microsoft.com/office/powerpoint/2010/main">
-    <mc:Choice Requires="p14">
-      <p:transition spd="slow" p14:dur="1500">
-        <p:random/>
-      </p:transition>
-    </mc:Choice>
-    <mc:Fallback xmlns="">
-      <p:transition spd="slow">
-        <p:random/>
-      </p:transition>
-    </mc:Fallback>
-  </mc:AlternateContent>
-</p:sld>
-</file>
-
-<file path=ppt/slides/slide8.xml><?xml version="1.0" encoding="utf-8"?>
-<p:sld xmlns:a="http://schemas.openxmlformats.org/drawingml/2006/main" xmlns:r="http://schemas.openxmlformats.org/officeDocument/2006/relationships" xmlns:p="http://schemas.openxmlformats.org/presentationml/2006/main">
-  <p:cSld>
-    <p:spTree>
-      <p:nvGrpSpPr>
-        <p:cNvPr id="1" name=""/>
-        <p:cNvGrpSpPr/>
-        <p:nvPr/>
-      </p:nvGrpSpPr>
-      <p:grpSpPr>
-        <a:xfrm>
-          <a:off x="0" y="0"/>
-          <a:ext cx="0" cy="0"/>
-          <a:chOff x="0" y="0"/>
-          <a:chExt cx="0" cy="0"/>
-        </a:xfrm>
-      </p:grpSpPr>
-      <p:sp>
-        <p:nvSpPr>
-          <p:cNvPr id="2" name="Title 1">
-            <a:extLst>
-              <a:ext uri="{FF2B5EF4-FFF2-40B4-BE49-F238E27FC236}">
-                <a16:creationId xmlns:a16="http://schemas.microsoft.com/office/drawing/2014/main" id="{DA21BF7A-B876-4111-918B-D8B88C55F34D}"/>
-              </a:ext>
-            </a:extLst>
-          </p:cNvPr>
-          <p:cNvSpPr>
-            <a:spLocks noGrp="1"/>
-          </p:cNvSpPr>
-          <p:nvPr>
-            <p:ph type="title"/>
-          </p:nvPr>
-        </p:nvSpPr>
-        <p:spPr>
-          <a:xfrm>
-            <a:off x="1069848" y="484632"/>
-            <a:ext cx="10058400" cy="880529"/>
-          </a:xfrm>
-        </p:spPr>
-        <p:txBody>
-          <a:bodyPr/>
-          <a:lstStyle/>
-          <a:p>
-            <a:r>
-              <a:rPr lang="en-CA" dirty="0"/>
-              <a:t>The requirement</a:t>
-            </a:r>
-          </a:p>
-        </p:txBody>
-      </p:sp>
-      <p:sp>
-        <p:nvSpPr>
-          <p:cNvPr id="3" name="Content Placeholder 2">
-            <a:extLst>
-              <a:ext uri="{FF2B5EF4-FFF2-40B4-BE49-F238E27FC236}">
-                <a16:creationId xmlns:a16="http://schemas.microsoft.com/office/drawing/2014/main" id="{4F5BFA5C-92C1-43F1-9452-8ADE90130497}"/>
-              </a:ext>
-            </a:extLst>
-          </p:cNvPr>
-          <p:cNvSpPr>
-            <a:spLocks noGrp="1"/>
-          </p:cNvSpPr>
-          <p:nvPr>
-            <p:ph idx="1"/>
-          </p:nvPr>
-        </p:nvSpPr>
-        <p:spPr>
-          <a:xfrm>
-            <a:off x="1069848" y="1365161"/>
-            <a:ext cx="10058400" cy="5492839"/>
-          </a:xfrm>
-        </p:spPr>
-        <p:txBody>
-          <a:bodyPr>
-            <a:normAutofit/>
-          </a:bodyPr>
-          <a:lstStyle/>
-          <a:p>
-            <a:pPr marL="0" indent="0">
-              <a:buNone/>
-            </a:pPr>
-            <a:r>
-              <a:rPr lang="en-CA" sz="2800" dirty="0"/>
-              <a:t>You have been hired by a bicycle repair shop to create a Database to keep track of the details of customers who: </a:t>
-            </a:r>
-          </a:p>
-          <a:p>
-            <a:pPr marL="0" indent="0">
-              <a:buNone/>
-            </a:pPr>
-            <a:r>
-              <a:rPr lang="en-CA" sz="2800" dirty="0"/>
-              <a:t>(1) Purchase a Bicycle [and are therefore entitled to free lifetime repairs], and </a:t>
-            </a:r>
-          </a:p>
-          <a:p>
-            <a:pPr marL="0" indent="0">
-              <a:buNone/>
-            </a:pPr>
-            <a:r>
-              <a:rPr lang="en-CA" sz="2800" dirty="0"/>
-              <a:t>(2) customers who bring their Bicycle in to be repaired (for a $25/hour fee + cost of parts).</a:t>
-            </a:r>
-          </a:p>
-          <a:p>
-            <a:pPr marL="0" indent="0">
-              <a:buNone/>
-            </a:pPr>
-            <a:endParaRPr lang="en-CA" sz="2800" dirty="0"/>
-          </a:p>
-          <a:p>
-            <a:pPr marL="0" indent="0">
-              <a:buNone/>
-            </a:pPr>
-            <a:r>
-              <a:rPr lang="en-CA" sz="2800" dirty="0"/>
-              <a:t>The Database Shall provide a data structure to store: </a:t>
-            </a:r>
-            <a:r>
-              <a:rPr lang="en-CA" sz="2800" b="1" dirty="0"/>
-              <a:t>customer information</a:t>
-            </a:r>
-            <a:r>
-              <a:rPr lang="en-CA" sz="2800" dirty="0"/>
-              <a:t>, </a:t>
-            </a:r>
-            <a:r>
-              <a:rPr lang="en-CA" sz="2800" b="1" dirty="0"/>
-              <a:t>bicycle information</a:t>
-            </a:r>
-            <a:r>
-              <a:rPr lang="en-CA" sz="2800" dirty="0"/>
-              <a:t>, </a:t>
-            </a:r>
-            <a:r>
-              <a:rPr lang="en-CA" sz="2800" b="1" dirty="0"/>
-              <a:t>and any other relator tables you need to put into your design to make the SQL relationships work</a:t>
-            </a:r>
-            <a:r>
-              <a:rPr lang="en-CA" sz="2800" dirty="0"/>
-              <a:t> </a:t>
-            </a:r>
-          </a:p>
-          <a:p>
-            <a:pPr marL="0" indent="0">
-              <a:buNone/>
-            </a:pPr>
-            <a:endParaRPr lang="en-CA" dirty="0"/>
-          </a:p>
-        </p:txBody>
-      </p:sp>
-    </p:spTree>
-    <p:extLst>
-      <p:ext uri="{BB962C8B-B14F-4D97-AF65-F5344CB8AC3E}">
-        <p14:creationId xmlns:p14="http://schemas.microsoft.com/office/powerpoint/2010/main" val="2656004011"/>
-      </p:ext>
-    </p:extLst>
-  </p:cSld>
-  <p:clrMapOvr>
-    <a:masterClrMapping/>
-  </p:clrMapOvr>
-  <mc:AlternateContent xmlns:mc="http://schemas.openxmlformats.org/markup-compatibility/2006" xmlns:p14="http://schemas.microsoft.com/office/powerpoint/2010/main">
-    <mc:Choice Requires="p14">
-      <p:transition spd="slow" p14:dur="1500">
-        <p:random/>
-      </p:transition>
-    </mc:Choice>
-    <mc:Fallback xmlns="">
-      <p:transition spd="slow">
-        <p:random/>
-      </p:transition>
-    </mc:Fallback>
-  </mc:AlternateContent>
-</p:sld>
-</file>
-
 <file path=ppt/slides/slide9.xml><?xml version="1.0" encoding="utf-8"?>
 <p:sld xmlns:a="http://schemas.openxmlformats.org/drawingml/2006/main" xmlns:r="http://schemas.openxmlformats.org/officeDocument/2006/relationships" xmlns:p="http://schemas.openxmlformats.org/presentationml/2006/main">
   <p:cSld>
@@ -13785,7 +15418,7 @@
           <p:cNvPr id="2" name="Title 1">
             <a:extLst>
               <a:ext uri="{FF2B5EF4-FFF2-40B4-BE49-F238E27FC236}">
-                <a16:creationId xmlns:a16="http://schemas.microsoft.com/office/drawing/2014/main" id="{DA21BF7A-B876-4111-918B-D8B88C55F34D}"/>
+                <a16:creationId xmlns:a16="http://schemas.microsoft.com/office/drawing/2014/main" id="{F4D3979A-2DBE-4F8A-8123-4E70180AAC2F}"/>
               </a:ext>
             </a:extLst>
           </p:cNvPr>
@@ -13793,84 +15426,26 @@
             <a:spLocks noGrp="1"/>
           </p:cNvSpPr>
           <p:nvPr>
-            <p:ph type="title"/>
-          </p:nvPr>
-        </p:nvSpPr>
-        <p:spPr>
-          <a:xfrm>
-            <a:off x="1069848" y="484632"/>
-            <a:ext cx="10058400" cy="880529"/>
-          </a:xfrm>
-        </p:spPr>
+            <p:ph type="ctrTitle"/>
+          </p:nvPr>
+        </p:nvSpPr>
+        <p:spPr/>
         <p:txBody>
           <a:bodyPr/>
           <a:lstStyle/>
           <a:p>
-            <a:r>
-              <a:rPr lang="en-CA" dirty="0"/>
-              <a:t>The requirement</a:t>
-            </a:r>
-          </a:p>
-        </p:txBody>
-      </p:sp>
-      <p:sp>
-        <p:nvSpPr>
-          <p:cNvPr id="3" name="Content Placeholder 2">
-            <a:extLst>
-              <a:ext uri="{FF2B5EF4-FFF2-40B4-BE49-F238E27FC236}">
-                <a16:creationId xmlns:a16="http://schemas.microsoft.com/office/drawing/2014/main" id="{4F5BFA5C-92C1-43F1-9452-8ADE90130497}"/>
-              </a:ext>
-            </a:extLst>
-          </p:cNvPr>
-          <p:cNvSpPr>
-            <a:spLocks noGrp="1"/>
-          </p:cNvSpPr>
-          <p:nvPr>
-            <p:ph idx="1"/>
-          </p:nvPr>
-        </p:nvSpPr>
-        <p:spPr>
-          <a:xfrm>
-            <a:off x="1069848" y="1365161"/>
-            <a:ext cx="10058400" cy="4807039"/>
-          </a:xfrm>
-        </p:spPr>
-        <p:txBody>
-          <a:bodyPr/>
-          <a:lstStyle/>
-          <a:p>
-            <a:r>
-              <a:rPr lang="en-CA" sz="2800" dirty="0"/>
-              <a:t>Sketch the design for your Relational Database system with the necessary tables to make the above-stated requirement work. </a:t>
-            </a:r>
-          </a:p>
-          <a:p>
-            <a:r>
-              <a:rPr lang="en-CA" sz="2800" dirty="0"/>
-              <a:t>State all fields in each table: Field Data types must be specified correctly.</a:t>
-            </a:r>
-          </a:p>
-          <a:p>
-            <a:r>
-              <a:rPr lang="en-CA" sz="2800" dirty="0"/>
-              <a:t>Remember to identify your Primary keys.</a:t>
-            </a:r>
-          </a:p>
-          <a:p>
-            <a:pPr marL="0" indent="0">
-              <a:buNone/>
-            </a:pPr>
-            <a:endParaRPr lang="en-CA" sz="2800" dirty="0"/>
-          </a:p>
-          <a:p>
-            <a:endParaRPr lang="en-CA" dirty="0"/>
+            <a:pPr algn="r"/>
+            <a:r>
+              <a:rPr lang="en-CA" sz="8800" dirty="0"/>
+              <a:t>Developing the bicycle shop database</a:t>
+            </a:r>
           </a:p>
         </p:txBody>
       </p:sp>
     </p:spTree>
     <p:extLst>
       <p:ext uri="{BB962C8B-B14F-4D97-AF65-F5344CB8AC3E}">
-        <p14:creationId xmlns:p14="http://schemas.microsoft.com/office/powerpoint/2010/main" val="3033391640"/>
+        <p14:creationId xmlns:p14="http://schemas.microsoft.com/office/powerpoint/2010/main" val="800955733"/>
       </p:ext>
     </p:extLst>
   </p:cSld>
